--- a/Presentaties/Finale Presentatie Van Bogaert Sam.pptx
+++ b/Presentaties/Finale Presentatie Van Bogaert Sam.pptx
@@ -5,10 +5,10 @@
     <p:sldMasterId id="2147483980" r:id="rId5"/>
   </p:sldMasterIdLst>
   <p:notesMasterIdLst>
-    <p:notesMasterId r:id="rId18"/>
+    <p:notesMasterId r:id="rId19"/>
   </p:notesMasterIdLst>
   <p:handoutMasterIdLst>
-    <p:handoutMasterId r:id="rId19"/>
+    <p:handoutMasterId r:id="rId20"/>
   </p:handoutMasterIdLst>
   <p:sldIdLst>
     <p:sldId id="258" r:id="rId6"/>
@@ -17,12 +17,13 @@
     <p:sldId id="270" r:id="rId9"/>
     <p:sldId id="271" r:id="rId10"/>
     <p:sldId id="262" r:id="rId11"/>
-    <p:sldId id="273" r:id="rId12"/>
-    <p:sldId id="267" r:id="rId13"/>
-    <p:sldId id="266" r:id="rId14"/>
-    <p:sldId id="268" r:id="rId15"/>
-    <p:sldId id="274" r:id="rId16"/>
-    <p:sldId id="275" r:id="rId17"/>
+    <p:sldId id="277" r:id="rId12"/>
+    <p:sldId id="273" r:id="rId13"/>
+    <p:sldId id="267" r:id="rId14"/>
+    <p:sldId id="266" r:id="rId15"/>
+    <p:sldId id="268" r:id="rId16"/>
+    <p:sldId id="274" r:id="rId17"/>
+    <p:sldId id="275" r:id="rId18"/>
   </p:sldIdLst>
   <p:sldSz cx="12192000" cy="6858000"/>
   <p:notesSz cx="6858000" cy="9144000"/>
@@ -132,6 +133,7 @@
             <p14:sldId id="270"/>
             <p14:sldId id="271"/>
             <p14:sldId id="262"/>
+            <p14:sldId id="277"/>
             <p14:sldId id="273"/>
             <p14:sldId id="267"/>
             <p14:sldId id="266"/>
@@ -3346,7 +3348,7 @@
           <a:p>
             <a:fld id="{0DE3A5DF-311E-405A-A5D3-F9F8C4753B14}" type="datetime1">
               <a:rPr lang="en-GB" smtClean="0"/>
-              <a:t>19/06/2019</a:t>
+              <a:t>22/08/2019</a:t>
             </a:fld>
             <a:endParaRPr lang="en-GB"/>
           </a:p>
@@ -3527,7 +3529,7 @@
           <a:p>
             <a:fld id="{61265FE6-EFEA-4953-9E2B-F8EBAAE2E77A}" type="datetime1">
               <a:rPr lang="en-GB" smtClean="0"/>
-              <a:t>19/06/2019</a:t>
+              <a:t>22/08/2019</a:t>
             </a:fld>
             <a:endParaRPr lang="en-GB"/>
           </a:p>
@@ -3797,6 +3799,153 @@
     </a:lvl9pPr>
   </p:notesStyle>
 </p:notesMaster>
+</file>
+
+<file path=ppt/notesSlides/notesSlide1.xml><?xml version="1.0" encoding="utf-8"?>
+<p:notes xmlns:a="http://purl.oclc.org/ooxml/drawingml/main" xmlns:r="http://purl.oclc.org/ooxml/officeDocument/relationships" xmlns:p="http://purl.oclc.org/ooxml/presentationml/main">
+  <p:cSld>
+    <p:spTree>
+      <p:nvGrpSpPr>
+        <p:cNvPr id="1" name=""/>
+        <p:cNvGrpSpPr/>
+        <p:nvPr/>
+      </p:nvGrpSpPr>
+      <p:grpSpPr>
+        <a:xfrm>
+          <a:off x="0" y="0"/>
+          <a:ext cx="0" cy="0"/>
+          <a:chOff x="0" y="0"/>
+          <a:chExt cx="0" cy="0"/>
+        </a:xfrm>
+      </p:grpSpPr>
+      <p:sp>
+        <p:nvSpPr>
+          <p:cNvPr id="2" name="Slide Image Placeholder 1"/>
+          <p:cNvSpPr>
+            <a:spLocks noGrp="1" noRot="1" noChangeAspect="1"/>
+          </p:cNvSpPr>
+          <p:nvPr>
+            <p:ph type="sldImg"/>
+          </p:nvPr>
+        </p:nvSpPr>
+        <p:spPr/>
+      </p:sp>
+      <p:sp>
+        <p:nvSpPr>
+          <p:cNvPr id="3" name="Notes Placeholder 2"/>
+          <p:cNvSpPr>
+            <a:spLocks noGrp="1"/>
+          </p:cNvSpPr>
+          <p:nvPr>
+            <p:ph type="body" idx="1"/>
+          </p:nvPr>
+        </p:nvSpPr>
+        <p:spPr/>
+        <p:txBody>
+          <a:bodyPr/>
+          <a:lstStyle/>
+          <a:p>
+            <a:r>
+              <a:rPr lang="nl-BE" dirty="0"/>
+              <a:t>DGO</a:t>
+            </a:r>
+          </a:p>
+          <a:p>
+            <a:r>
+              <a:rPr lang="nl-BE" dirty="0"/>
+              <a:t>XMLManager: Highscores</a:t>
+            </a:r>
+          </a:p>
+          <a:p>
+            <a:r>
+              <a:rPr lang="nl-BE" dirty="0"/>
+              <a:t>EmailController</a:t>
+            </a:r>
+          </a:p>
+          <a:p>
+            <a:endParaRPr lang="nl-BE" dirty="0"/>
+          </a:p>
+        </p:txBody>
+      </p:sp>
+      <p:sp>
+        <p:nvSpPr>
+          <p:cNvPr id="4" name="Date Placeholder 3"/>
+          <p:cNvSpPr>
+            <a:spLocks noGrp="1"/>
+          </p:cNvSpPr>
+          <p:nvPr>
+            <p:ph type="dt" idx="1"/>
+          </p:nvPr>
+        </p:nvSpPr>
+        <p:spPr/>
+        <p:txBody>
+          <a:bodyPr/>
+          <a:lstStyle/>
+          <a:p>
+            <a:fld id="{61265FE6-EFEA-4953-9E2B-F8EBAAE2E77A}" type="datetime1">
+              <a:rPr lang="en-GB" smtClean="0"/>
+              <a:t>22/08/2019</a:t>
+            </a:fld>
+            <a:endParaRPr lang="en-GB"/>
+          </a:p>
+        </p:txBody>
+      </p:sp>
+      <p:sp>
+        <p:nvSpPr>
+          <p:cNvPr id="5" name="Footer Placeholder 4"/>
+          <p:cNvSpPr>
+            <a:spLocks noGrp="1"/>
+          </p:cNvSpPr>
+          <p:nvPr>
+            <p:ph type="ftr" sz="quarter" idx="4"/>
+          </p:nvPr>
+        </p:nvSpPr>
+        <p:spPr/>
+        <p:txBody>
+          <a:bodyPr/>
+          <a:lstStyle/>
+          <a:p>
+            <a:r>
+              <a:rPr lang="en-GB"/>
+              <a:t>Company Confidential</a:t>
+            </a:r>
+          </a:p>
+        </p:txBody>
+      </p:sp>
+      <p:sp>
+        <p:nvSpPr>
+          <p:cNvPr id="6" name="Slide Number Placeholder 5"/>
+          <p:cNvSpPr>
+            <a:spLocks noGrp="1"/>
+          </p:cNvSpPr>
+          <p:nvPr>
+            <p:ph type="sldNum" sz="quarter" idx="5"/>
+          </p:nvPr>
+        </p:nvSpPr>
+        <p:spPr/>
+        <p:txBody>
+          <a:bodyPr/>
+          <a:lstStyle/>
+          <a:p>
+            <a:fld id="{0F693F62-F55D-4114-B97A-2F687BC6F8F0}" type="slidenum">
+              <a:rPr lang="en-GB" smtClean="0"/>
+              <a:t>7</a:t>
+            </a:fld>
+            <a:endParaRPr lang="en-GB"/>
+          </a:p>
+        </p:txBody>
+      </p:sp>
+    </p:spTree>
+    <p:extLst>
+      <p:ext uri="{BB962C8B-B14F-4D97-AF65-F5344CB8AC3E}">
+        <p14:creationId xmlns:p14="http://schemas.microsoft.com/office/powerpoint/2010/main" val="570243012"/>
+      </p:ext>
+    </p:extLst>
+  </p:cSld>
+  <p:clrMapOvr>
+    <a:masterClrMapping/>
+  </p:clrMapOvr>
+</p:notes>
 </file>
 
 <file path=ppt/slideLayouts/slideLayout1.xml><?xml version="1.0" encoding="utf-8"?>
@@ -33986,10 +34135,10 @@
       </p:grpSpPr>
       <p:sp>
         <p:nvSpPr>
-          <p:cNvPr id="2" name="Slide Number Placeholder 1">
-            <a:extLst>
-              <a:ext uri="{FF2B5EF4-FFF2-40B4-BE49-F238E27FC236}">
-                <a16:creationId xmlns:a16="http://schemas.microsoft.com/office/drawing/2014/main" id="{2A3D5A2B-267E-4DFD-B52F-5E0D289A5A0B}"/>
+          <p:cNvPr id="3" name="Slide Number Placeholder 2">
+            <a:extLst>
+              <a:ext uri="{FF2B5EF4-FFF2-40B4-BE49-F238E27FC236}">
+                <a16:creationId xmlns:a16="http://schemas.microsoft.com/office/drawing/2014/main" id="{0110B3CA-6D11-48E2-BD8A-904AB47C1EDA}"/>
               </a:ext>
             </a:extLst>
           </p:cNvPr>
@@ -34016,10 +34165,10 @@
       </p:sp>
       <p:sp>
         <p:nvSpPr>
-          <p:cNvPr id="3" name="Title 2">
-            <a:extLst>
-              <a:ext uri="{FF2B5EF4-FFF2-40B4-BE49-F238E27FC236}">
-                <a16:creationId xmlns:a16="http://schemas.microsoft.com/office/drawing/2014/main" id="{DD73ED5D-C9F5-48CB-960F-DE140B10E2B1}"/>
+          <p:cNvPr id="4" name="Title 3">
+            <a:extLst>
+              <a:ext uri="{FF2B5EF4-FFF2-40B4-BE49-F238E27FC236}">
+                <a16:creationId xmlns:a16="http://schemas.microsoft.com/office/drawing/2014/main" id="{69012BB7-8744-4BDF-92C0-CD55EBDDEEFF}"/>
               </a:ext>
             </a:extLst>
           </p:cNvPr>
@@ -34030,15 +34179,29 @@
             <p:ph type="title"/>
           </p:nvPr>
         </p:nvSpPr>
-        <p:spPr/>
+        <p:spPr>
+          <a:xfrm>
+            <a:off x="838200" y="1232527"/>
+            <a:ext cx="10515600" cy="618385"/>
+          </a:xfrm>
+        </p:spPr>
         <p:txBody>
           <a:bodyPr/>
           <a:lstStyle/>
           <a:p>
             <a:r>
-              <a:rPr lang="nl-BE" dirty="0"/>
-              <a:t>Persoonlijke Reflectie</a:t>
-            </a:r>
+              <a:rPr lang="en-GB" dirty="0" err="1"/>
+              <a:t>Problemen</a:t>
+            </a:r>
+            <a:r>
+              <a:rPr lang="en-GB" dirty="0"/>
+              <a:t> &amp; </a:t>
+            </a:r>
+            <a:r>
+              <a:rPr lang="en-GB" dirty="0" err="1"/>
+              <a:t>Uitdagingen</a:t>
+            </a:r>
+            <a:endParaRPr lang="en-GB" dirty="0"/>
           </a:p>
         </p:txBody>
       </p:sp>
@@ -34047,7 +34210,7 @@
           <p:cNvPr id="5" name="TextBox 4">
             <a:extLst>
               <a:ext uri="{FF2B5EF4-FFF2-40B4-BE49-F238E27FC236}">
-                <a16:creationId xmlns:a16="http://schemas.microsoft.com/office/drawing/2014/main" id="{9D17CA40-B846-467F-8B40-DE20803FD73C}"/>
+                <a16:creationId xmlns:a16="http://schemas.microsoft.com/office/drawing/2014/main" id="{77C8E33E-038A-4DFB-8678-EEB96D6810FC}"/>
               </a:ext>
             </a:extLst>
           </p:cNvPr>
@@ -34056,8 +34219,8 @@
         </p:nvSpPr>
         <p:spPr>
           <a:xfrm>
-            <a:off x="838200" y="2173078"/>
-            <a:ext cx="10723417" cy="1200329"/>
+            <a:off x="838200" y="2182505"/>
+            <a:ext cx="10723417" cy="1477328"/>
           </a:xfrm>
           <a:prstGeom prst="rect">
             <a:avLst/>
@@ -34080,7 +34243,7 @@
                   <a:schemeClr val="bg1"/>
                 </a:solidFill>
               </a:rPr>
-              <a:t>Veel kunnen bijleren (C#, .NET, XML ...)</a:t>
+              <a:t>Reeds bestaand project; documentatie was aanwezig.</a:t>
             </a:r>
           </a:p>
           <a:p>
@@ -34094,7 +34257,7 @@
                   <a:schemeClr val="bg1"/>
                 </a:solidFill>
               </a:rPr>
-              <a:t>Veel creatieve vrijheid</a:t>
+              <a:t>Kleine oriëntatie vereist; opleiding zelf overlopen.</a:t>
             </a:r>
           </a:p>
           <a:p>
@@ -34108,16 +34271,10 @@
                   <a:schemeClr val="bg1"/>
                 </a:solidFill>
               </a:rPr>
-              <a:t>Project management </a:t>
-            </a:r>
-            <a:r>
-              <a:rPr lang="nl-BE">
-                <a:solidFill>
-                  <a:schemeClr val="bg1"/>
-                </a:solidFill>
-              </a:rPr>
-              <a:t>kon strikter</a:t>
-            </a:r>
+              <a:t>Weinig materiaal om mee te werken.</a:t>
+            </a:r>
+          </a:p>
+          <a:p>
             <a:endParaRPr lang="nl-BE" dirty="0">
               <a:solidFill>
                 <a:schemeClr val="bg1"/>
@@ -34125,6 +34282,169 @@
             </a:endParaRPr>
           </a:p>
           <a:p>
+            <a:endParaRPr lang="nl-BE" dirty="0">
+              <a:solidFill>
+                <a:schemeClr val="bg1"/>
+              </a:solidFill>
+            </a:endParaRPr>
+          </a:p>
+        </p:txBody>
+      </p:sp>
+      <p:pic>
+        <p:nvPicPr>
+          <p:cNvPr id="6" name="Picture 5">
+            <a:extLst>
+              <a:ext uri="{FF2B5EF4-FFF2-40B4-BE49-F238E27FC236}">
+                <a16:creationId xmlns:a16="http://schemas.microsoft.com/office/drawing/2014/main" id="{44E4BE60-A25D-4A21-8F5E-E4B9C9845026}"/>
+              </a:ext>
+            </a:extLst>
+          </p:cNvPr>
+          <p:cNvPicPr/>
+          <p:nvPr/>
+        </p:nvPicPr>
+        <p:blipFill>
+          <a:blip r:embed="rId2" cstate="print">
+            <a:extLst>
+              <a:ext uri="{28A0092B-C50C-407E-A947-70E740481C1C}">
+                <a14:useLocalDpi xmlns:a14="http://schemas.microsoft.com/office/drawing/2010/main" val="0"/>
+              </a:ext>
+            </a:extLst>
+          </a:blip>
+          <a:srcRect/>
+          <a:stretch>
+            <a:fillRect/>
+          </a:stretch>
+        </p:blipFill>
+        <p:spPr bwMode="auto">
+          <a:xfrm>
+            <a:off x="0" y="0"/>
+            <a:ext cx="720000" cy="720000"/>
+          </a:xfrm>
+          <a:prstGeom prst="rect">
+            <a:avLst/>
+          </a:prstGeom>
+          <a:noFill/>
+          <a:ln>
+            <a:noFill/>
+          </a:ln>
+        </p:spPr>
+      </p:pic>
+    </p:spTree>
+    <p:extLst>
+      <p:ext uri="{BB962C8B-B14F-4D97-AF65-F5344CB8AC3E}">
+        <p14:creationId xmlns:p14="http://schemas.microsoft.com/office/powerpoint/2010/main" val="1852151783"/>
+      </p:ext>
+    </p:extLst>
+  </p:cSld>
+  <p:clrMapOvr>
+    <a:masterClrMapping/>
+  </p:clrMapOvr>
+</p:sld>
+</file>
+
+<file path=ppt/slides/slide11.xml><?xml version="1.0" encoding="utf-8"?>
+<p:sld xmlns:a="http://purl.oclc.org/ooxml/drawingml/main" xmlns:r="http://purl.oclc.org/ooxml/officeDocument/relationships" xmlns:p="http://purl.oclc.org/ooxml/presentationml/main">
+  <p:cSld>
+    <p:spTree>
+      <p:nvGrpSpPr>
+        <p:cNvPr id="1" name=""/>
+        <p:cNvGrpSpPr/>
+        <p:nvPr/>
+      </p:nvGrpSpPr>
+      <p:grpSpPr>
+        <a:xfrm>
+          <a:off x="0" y="0"/>
+          <a:ext cx="0" cy="0"/>
+          <a:chOff x="0" y="0"/>
+          <a:chExt cx="0" cy="0"/>
+        </a:xfrm>
+      </p:grpSpPr>
+      <p:sp>
+        <p:nvSpPr>
+          <p:cNvPr id="2" name="Slide Number Placeholder 1">
+            <a:extLst>
+              <a:ext uri="{FF2B5EF4-FFF2-40B4-BE49-F238E27FC236}">
+                <a16:creationId xmlns:a16="http://schemas.microsoft.com/office/drawing/2014/main" id="{2A3D5A2B-267E-4DFD-B52F-5E0D289A5A0B}"/>
+              </a:ext>
+            </a:extLst>
+          </p:cNvPr>
+          <p:cNvSpPr>
+            <a:spLocks noGrp="1"/>
+          </p:cNvSpPr>
+          <p:nvPr>
+            <p:ph type="sldNum" sz="quarter" idx="13"/>
+          </p:nvPr>
+        </p:nvSpPr>
+        <p:spPr/>
+        <p:txBody>
+          <a:bodyPr/>
+          <a:lstStyle/>
+          <a:p>
+            <a:fld id="{43981729-7503-47A0-96E9-2C54EA94F56A}" type="slidenum">
+              <a:rPr lang="en-US" smtClean="0"/>
+              <a:pPr/>
+              <a:t>11</a:t>
+            </a:fld>
+            <a:endParaRPr lang="en-US" dirty="0"/>
+          </a:p>
+        </p:txBody>
+      </p:sp>
+      <p:sp>
+        <p:nvSpPr>
+          <p:cNvPr id="3" name="Title 2">
+            <a:extLst>
+              <a:ext uri="{FF2B5EF4-FFF2-40B4-BE49-F238E27FC236}">
+                <a16:creationId xmlns:a16="http://schemas.microsoft.com/office/drawing/2014/main" id="{DD73ED5D-C9F5-48CB-960F-DE140B10E2B1}"/>
+              </a:ext>
+            </a:extLst>
+          </p:cNvPr>
+          <p:cNvSpPr>
+            <a:spLocks noGrp="1"/>
+          </p:cNvSpPr>
+          <p:nvPr>
+            <p:ph type="title"/>
+          </p:nvPr>
+        </p:nvSpPr>
+        <p:spPr/>
+        <p:txBody>
+          <a:bodyPr/>
+          <a:lstStyle/>
+          <a:p>
+            <a:r>
+              <a:rPr lang="nl-BE" dirty="0"/>
+              <a:t>Persoonlijke Reflectie</a:t>
+            </a:r>
+          </a:p>
+        </p:txBody>
+      </p:sp>
+      <p:sp>
+        <p:nvSpPr>
+          <p:cNvPr id="5" name="TextBox 4">
+            <a:extLst>
+              <a:ext uri="{FF2B5EF4-FFF2-40B4-BE49-F238E27FC236}">
+                <a16:creationId xmlns:a16="http://schemas.microsoft.com/office/drawing/2014/main" id="{9D17CA40-B846-467F-8B40-DE20803FD73C}"/>
+              </a:ext>
+            </a:extLst>
+          </p:cNvPr>
+          <p:cNvSpPr txBox="1"/>
+          <p:nvPr/>
+        </p:nvSpPr>
+        <p:spPr>
+          <a:xfrm>
+            <a:off x="838200" y="2173078"/>
+            <a:ext cx="10723417" cy="923330"/>
+          </a:xfrm>
+          <a:prstGeom prst="rect">
+            <a:avLst/>
+          </a:prstGeom>
+          <a:noFill/>
+        </p:spPr>
+        <p:txBody>
+          <a:bodyPr wrap="square" rtlCol="0">
+            <a:spAutoFit/>
+          </a:bodyPr>
+          <a:lstStyle/>
+          <a:p>
             <a:pPr marL="285750" indent="-285750">
               <a:buFont typeface="Arial" panose="020B0604020202020204" pitchFamily="34" charset="0"/>
               <a:buChar char="•"/>
@@ -34135,7 +34455,35 @@
                   <a:schemeClr val="bg1"/>
                 </a:solidFill>
               </a:rPr>
-              <a:t>Project structuur kon orderlijker</a:t>
+              <a:t>Veel kunnen bijleren (C#, .NET, XML ...).</a:t>
+            </a:r>
+          </a:p>
+          <a:p>
+            <a:pPr marL="285750" indent="-285750">
+              <a:buFont typeface="Arial" panose="020B0604020202020204" pitchFamily="34" charset="0"/>
+              <a:buChar char="•"/>
+            </a:pPr>
+            <a:r>
+              <a:rPr lang="nl-BE" dirty="0">
+                <a:solidFill>
+                  <a:schemeClr val="bg1"/>
+                </a:solidFill>
+              </a:rPr>
+              <a:t>Veel creatieve vrijheid.</a:t>
+            </a:r>
+          </a:p>
+          <a:p>
+            <a:pPr marL="285750" indent="-285750">
+              <a:buFont typeface="Arial" panose="020B0604020202020204" pitchFamily="34" charset="0"/>
+              <a:buChar char="•"/>
+            </a:pPr>
+            <a:r>
+              <a:rPr lang="nl-BE" dirty="0">
+                <a:solidFill>
+                  <a:schemeClr val="bg1"/>
+                </a:solidFill>
+              </a:rPr>
+              <a:t>Moeilijkheidsgraad door gebrek aan kennis over de energiesector.</a:t>
             </a:r>
           </a:p>
         </p:txBody>
@@ -34192,7 +34540,7 @@
 </p:sld>
 </file>
 
-<file path=ppt/slides/slide11.xml><?xml version="1.0" encoding="utf-8"?>
+<file path=ppt/slides/slide12.xml><?xml version="1.0" encoding="utf-8"?>
 <p:sld xmlns:a="http://purl.oclc.org/ooxml/drawingml/main" xmlns:r="http://purl.oclc.org/ooxml/officeDocument/relationships" xmlns:p="http://purl.oclc.org/ooxml/presentationml/main">
   <p:cSld>
     <p:spTree>
@@ -34233,7 +34581,7 @@
             <a:fld id="{43981729-7503-47A0-96E9-2C54EA94F56A}" type="slidenum">
               <a:rPr lang="en-US" smtClean="0"/>
               <a:pPr/>
-              <a:t>11</a:t>
+              <a:t>12</a:t>
             </a:fld>
             <a:endParaRPr lang="en-US" dirty="0"/>
           </a:p>
@@ -34282,7 +34630,7 @@
         <p:spPr>
           <a:xfrm>
             <a:off x="838200" y="2173078"/>
-            <a:ext cx="10723417" cy="2308324"/>
+            <a:ext cx="10723417" cy="2585323"/>
           </a:xfrm>
           <a:prstGeom prst="rect">
             <a:avLst/>
@@ -34319,7 +34667,7 @@
                   <a:schemeClr val="bg1"/>
                 </a:solidFill>
               </a:rPr>
-              <a:t>Opzoek werk is makkelijker</a:t>
+              <a:t>Opzoek werk is makkelijker.</a:t>
             </a:r>
           </a:p>
           <a:p>
@@ -34333,7 +34681,7 @@
                   <a:schemeClr val="bg1"/>
                 </a:solidFill>
               </a:rPr>
-              <a:t>Sneller aangepast</a:t>
+              <a:t>Aanpassen is sneller.</a:t>
             </a:r>
           </a:p>
           <a:p>
@@ -34372,7 +34720,7 @@
                   <a:schemeClr val="bg1"/>
                 </a:solidFill>
               </a:rPr>
-              <a:t>Leuk alternatief</a:t>
+              <a:t>Extra interactiviteit.</a:t>
             </a:r>
           </a:p>
           <a:p>
@@ -34386,7 +34734,21 @@
                   <a:schemeClr val="bg1"/>
                 </a:solidFill>
               </a:rPr>
-              <a:t>Snelle feedback via support pagina</a:t>
+              <a:t>Informatie verdelen over verschillende levels.</a:t>
+            </a:r>
+          </a:p>
+          <a:p>
+            <a:pPr marL="742950" lvl="1" indent="-285750">
+              <a:buFont typeface="Arial" panose="020B0604020202020204" pitchFamily="34" charset="0"/>
+              <a:buChar char="•"/>
+            </a:pPr>
+            <a:r>
+              <a:rPr lang="nl-BE" dirty="0">
+                <a:solidFill>
+                  <a:schemeClr val="bg1"/>
+                </a:solidFill>
+              </a:rPr>
+              <a:t>Snelle feedback via support pagina.</a:t>
             </a:r>
           </a:p>
           <a:p>
@@ -34474,23 +34836,7 @@
                   <a:schemeClr val="bg1"/>
                 </a:solidFill>
               </a:rPr>
-              <a:t>“Is het mogelijk </a:t>
-            </a:r>
-            <a:r>
-              <a:rPr lang="nl-BE" i="1">
-                <a:solidFill>
-                  <a:schemeClr val="bg1"/>
-                </a:solidFill>
-              </a:rPr>
-              <a:t>om een </a:t>
-            </a:r>
-            <a:r>
-              <a:rPr lang="nl-BE" i="1" dirty="0">
-                <a:solidFill>
-                  <a:schemeClr val="bg1"/>
-                </a:solidFill>
-              </a:rPr>
-              <a:t>opleiding te vervangen door een spel dat op een leukere en aangenamere manier, dezelfde informatie kan aanbrengen dan de opleiding?”</a:t>
+              <a:t>“Hoe kan men een opleiding vervangen door een spel dat op een alternatieve manier, dezelfde informatie kan aanbrengen dan de opleiding?”</a:t>
             </a:r>
           </a:p>
         </p:txBody>
@@ -34508,7 +34854,7 @@
 </p:sld>
 </file>
 
-<file path=ppt/slides/slide12.xml><?xml version="1.0" encoding="utf-8"?>
+<file path=ppt/slides/slide13.xml><?xml version="1.0" encoding="utf-8"?>
 <p:sld xmlns:a="http://purl.oclc.org/ooxml/drawingml/main" xmlns:r="http://purl.oclc.org/ooxml/officeDocument/relationships" xmlns:p="http://purl.oclc.org/ooxml/presentationml/main">
   <p:cSld>
     <p:spTree>
@@ -34549,7 +34895,7 @@
             <a:fld id="{43981729-7503-47A0-96E9-2C54EA94F56A}" type="slidenum">
               <a:rPr lang="en-US" smtClean="0"/>
               <a:pPr/>
-              <a:t>12</a:t>
+              <a:t>13</a:t>
             </a:fld>
             <a:endParaRPr lang="en-US" dirty="0"/>
           </a:p>
@@ -34823,7 +35169,7 @@
                   <a:schemeClr val="bg1"/>
                 </a:solidFill>
               </a:rPr>
-              <a:t>“Is het mogelijk om een opleiding te vervangen door een spel dat op een leukere en aangenamere manier, dezelfde informatie kan aanbrengen dan de opleiding?”</a:t>
+              <a:t>“Hoe kan men een opleiding vervangen door een spel dat op een alternatieve manier, dezelfde informatie kan aanbrengen dan de opleiding?”</a:t>
             </a:r>
           </a:p>
         </p:txBody>
@@ -35252,7 +35598,7 @@
                   <a:schemeClr val="bg1"/>
                 </a:solidFill>
               </a:rPr>
-              <a:t>Hoofdmenu</a:t>
+              <a:t>Hoofd menu</a:t>
             </a:r>
           </a:p>
           <a:p>
@@ -35627,7 +35973,7 @@
         <p:spPr>
           <a:xfrm>
             <a:off x="838200" y="2182505"/>
-            <a:ext cx="10723417" cy="3693319"/>
+            <a:ext cx="10723417" cy="4524315"/>
           </a:xfrm>
           <a:prstGeom prst="rect">
             <a:avLst/>
@@ -35674,7 +36020,21 @@
                   <a:schemeClr val="bg1"/>
                 </a:solidFill>
               </a:rPr>
-              <a:t>Twee wekelijkse sprint</a:t>
+              <a:t>Twee wekelijkse sprint.</a:t>
+            </a:r>
+          </a:p>
+          <a:p>
+            <a:pPr marL="742950" lvl="1" indent="-285750">
+              <a:buFont typeface="Arial" panose="020B0604020202020204" pitchFamily="34" charset="0"/>
+              <a:buChar char="•"/>
+            </a:pPr>
+            <a:r>
+              <a:rPr lang="nl-BE" dirty="0">
+                <a:solidFill>
+                  <a:schemeClr val="bg1"/>
+                </a:solidFill>
+              </a:rPr>
+              <a:t>Prioriteit: ontbrekende content voorzien.</a:t>
             </a:r>
           </a:p>
           <a:p>
@@ -35748,7 +36108,7 @@
                   <a:schemeClr val="bg1"/>
                 </a:solidFill>
               </a:rPr>
-              <a:t>Na elke aanpassing: push op Dev branch</a:t>
+              <a:t>Na elke aanpassing: push op Dev branch.</a:t>
             </a:r>
           </a:p>
           <a:p>
@@ -35762,7 +36122,7 @@
                   <a:schemeClr val="bg1"/>
                 </a:solidFill>
               </a:rPr>
-              <a:t>Na elke sprint: push naar master branch</a:t>
+              <a:t>Na elke sprint: push naar master branch.</a:t>
             </a:r>
           </a:p>
           <a:p>
@@ -35798,6 +36158,34 @@
                 </a:solidFill>
               </a:rPr>
               <a:t>Unity</a:t>
+            </a:r>
+          </a:p>
+          <a:p>
+            <a:pPr marL="742950" lvl="1" indent="-285750">
+              <a:buFont typeface="Arial" panose="020B0604020202020204" pitchFamily="34" charset="0"/>
+              <a:buChar char="•"/>
+            </a:pPr>
+            <a:r>
+              <a:rPr lang="nl-BE" dirty="0">
+                <a:solidFill>
+                  <a:schemeClr val="bg1"/>
+                </a:solidFill>
+              </a:rPr>
+              <a:t>UI Design</a:t>
+            </a:r>
+          </a:p>
+          <a:p>
+            <a:pPr marL="742950" lvl="1" indent="-285750">
+              <a:buFont typeface="Arial" panose="020B0604020202020204" pitchFamily="34" charset="0"/>
+              <a:buChar char="•"/>
+            </a:pPr>
+            <a:r>
+              <a:rPr lang="nl-BE" dirty="0">
+                <a:solidFill>
+                  <a:schemeClr val="bg1"/>
+                </a:solidFill>
+              </a:rPr>
+              <a:t>Scripts</a:t>
             </a:r>
           </a:p>
         </p:txBody>
@@ -35949,7 +36337,7 @@
         <p:spPr>
           <a:xfrm>
             <a:off x="838200" y="2204823"/>
-            <a:ext cx="10723417" cy="369332"/>
+            <a:ext cx="10723417" cy="1200329"/>
           </a:xfrm>
           <a:prstGeom prst="rect">
             <a:avLst/>
@@ -35972,7 +36360,49 @@
                   <a:schemeClr val="bg1"/>
                 </a:solidFill>
               </a:rPr>
-              <a:t>Week 1-2: Introductie tot het project, nodige Unity tutorials bekijken, Leren met Unity werken</a:t>
+              <a:t>Week 1-2: </a:t>
+            </a:r>
+          </a:p>
+          <a:p>
+            <a:pPr marL="742950" lvl="1" indent="-285750">
+              <a:buFont typeface="Arial" panose="020B0604020202020204" pitchFamily="34" charset="0"/>
+              <a:buChar char="•"/>
+            </a:pPr>
+            <a:r>
+              <a:rPr lang="nl-BE" dirty="0">
+                <a:solidFill>
+                  <a:schemeClr val="bg1"/>
+                </a:solidFill>
+              </a:rPr>
+              <a:t>Introductie tot het project.</a:t>
+            </a:r>
+          </a:p>
+          <a:p>
+            <a:pPr marL="742950" lvl="1" indent="-285750">
+              <a:buFont typeface="Arial" panose="020B0604020202020204" pitchFamily="34" charset="0"/>
+              <a:buChar char="•"/>
+            </a:pPr>
+            <a:r>
+              <a:rPr lang="nl-BE" dirty="0">
+                <a:solidFill>
+                  <a:schemeClr val="bg1"/>
+                </a:solidFill>
+              </a:rPr>
+              <a:t>Unity tutorials bekijken.</a:t>
+            </a:r>
+          </a:p>
+          <a:p>
+            <a:pPr marL="742950" lvl="1" indent="-285750">
+              <a:buFont typeface="Arial" panose="020B0604020202020204" pitchFamily="34" charset="0"/>
+              <a:buChar char="•"/>
+            </a:pPr>
+            <a:r>
+              <a:rPr lang="nl-BE" dirty="0">
+                <a:solidFill>
+                  <a:schemeClr val="bg1"/>
+                </a:solidFill>
+              </a:rPr>
+              <a:t>Leren met Unity werken.</a:t>
             </a:r>
           </a:p>
         </p:txBody>
@@ -36029,13 +36459,13 @@
           <p:nvPr>
             <p:extLst>
               <p:ext uri="{D42A27DB-BD31-4B8C-83A1-F6EECF244321}">
-                <p14:modId xmlns:p14="http://schemas.microsoft.com/office/powerpoint/2010/main" val="1281258240"/>
+                <p14:modId xmlns:p14="http://schemas.microsoft.com/office/powerpoint/2010/main" val="2749162021"/>
               </p:ext>
             </p:extLst>
           </p:nvPr>
         </p:nvGraphicFramePr>
         <p:xfrm>
-          <a:off x="424206" y="2204823"/>
+          <a:off x="468198" y="2804987"/>
           <a:ext cx="11255604" cy="3588637"/>
         </p:xfrm>
         <a:graphic>
@@ -36076,10 +36506,10 @@
       </p:grpSpPr>
       <p:sp>
         <p:nvSpPr>
-          <p:cNvPr id="2" name="Slide Number Placeholder 1">
-            <a:extLst>
-              <a:ext uri="{FF2B5EF4-FFF2-40B4-BE49-F238E27FC236}">
-                <a16:creationId xmlns:a16="http://schemas.microsoft.com/office/drawing/2014/main" id="{2A3D5A2B-267E-4DFD-B52F-5E0D289A5A0B}"/>
+          <p:cNvPr id="3" name="Slide Number Placeholder 2">
+            <a:extLst>
+              <a:ext uri="{FF2B5EF4-FFF2-40B4-BE49-F238E27FC236}">
+                <a16:creationId xmlns:a16="http://schemas.microsoft.com/office/drawing/2014/main" id="{0110B3CA-6D11-48E2-BD8A-904AB47C1EDA}"/>
               </a:ext>
             </a:extLst>
           </p:cNvPr>
@@ -36099,6 +36529,528 @@
               <a:rPr lang="en-US" smtClean="0"/>
               <a:pPr/>
               <a:t>7</a:t>
+            </a:fld>
+            <a:endParaRPr lang="en-US" dirty="0"/>
+          </a:p>
+        </p:txBody>
+      </p:sp>
+      <p:sp>
+        <p:nvSpPr>
+          <p:cNvPr id="4" name="Title 3">
+            <a:extLst>
+              <a:ext uri="{FF2B5EF4-FFF2-40B4-BE49-F238E27FC236}">
+                <a16:creationId xmlns:a16="http://schemas.microsoft.com/office/drawing/2014/main" id="{69012BB7-8744-4BDF-92C0-CD55EBDDEEFF}"/>
+              </a:ext>
+            </a:extLst>
+          </p:cNvPr>
+          <p:cNvSpPr>
+            <a:spLocks noGrp="1"/>
+          </p:cNvSpPr>
+          <p:nvPr>
+            <p:ph type="title"/>
+          </p:nvPr>
+        </p:nvSpPr>
+        <p:spPr>
+          <a:xfrm>
+            <a:off x="838200" y="1232527"/>
+            <a:ext cx="10515600" cy="618385"/>
+          </a:xfrm>
+        </p:spPr>
+        <p:txBody>
+          <a:bodyPr/>
+          <a:lstStyle/>
+          <a:p>
+            <a:r>
+              <a:rPr lang="en-GB" dirty="0"/>
+              <a:t>Klassen </a:t>
+            </a:r>
+            <a:r>
+              <a:rPr lang="en-GB" dirty="0" err="1"/>
+              <a:t>structuur</a:t>
+            </a:r>
+            <a:endParaRPr lang="en-GB" dirty="0"/>
+          </a:p>
+        </p:txBody>
+      </p:sp>
+      <p:sp>
+        <p:nvSpPr>
+          <p:cNvPr id="5" name="TextBox 4">
+            <a:extLst>
+              <a:ext uri="{FF2B5EF4-FFF2-40B4-BE49-F238E27FC236}">
+                <a16:creationId xmlns:a16="http://schemas.microsoft.com/office/drawing/2014/main" id="{77C8E33E-038A-4DFB-8678-EEB96D6810FC}"/>
+              </a:ext>
+            </a:extLst>
+          </p:cNvPr>
+          <p:cNvSpPr txBox="1"/>
+          <p:nvPr/>
+        </p:nvSpPr>
+        <p:spPr>
+          <a:xfrm>
+            <a:off x="838201" y="2182505"/>
+            <a:ext cx="4724400" cy="1661993"/>
+          </a:xfrm>
+          <a:prstGeom prst="rect">
+            <a:avLst/>
+          </a:prstGeom>
+          <a:noFill/>
+        </p:spPr>
+        <p:txBody>
+          <a:bodyPr wrap="square" rtlCol="0">
+            <a:spAutoFit/>
+          </a:bodyPr>
+          <a:lstStyle/>
+          <a:p>
+            <a:pPr lvl="1"/>
+            <a:endParaRPr lang="nl-BE" dirty="0">
+              <a:solidFill>
+                <a:schemeClr val="bg1"/>
+              </a:solidFill>
+            </a:endParaRPr>
+          </a:p>
+          <a:p>
+            <a:pPr marL="285750" indent="-285750">
+              <a:buFont typeface="Arial" panose="020B0604020202020204" pitchFamily="34" charset="0"/>
+              <a:buChar char="•"/>
+            </a:pPr>
+            <a:r>
+              <a:rPr lang="nl-BE" dirty="0">
+                <a:solidFill>
+                  <a:schemeClr val="bg1"/>
+                </a:solidFill>
+              </a:rPr>
+              <a:t>Per script:</a:t>
+            </a:r>
+          </a:p>
+          <a:p>
+            <a:pPr marL="742950" lvl="1" indent="-285750">
+              <a:buFont typeface="Arial" panose="020B0604020202020204" pitchFamily="34" charset="0"/>
+              <a:buChar char="•"/>
+            </a:pPr>
+            <a:r>
+              <a:rPr lang="nl-BE" sz="1600" dirty="0">
+                <a:solidFill>
+                  <a:schemeClr val="bg1"/>
+                </a:solidFill>
+              </a:rPr>
+              <a:t>Start(): Initialisatie – 1x uitgevoerd</a:t>
+            </a:r>
+          </a:p>
+          <a:p>
+            <a:pPr marL="742950" lvl="1" indent="-285750">
+              <a:buFont typeface="Arial" panose="020B0604020202020204" pitchFamily="34" charset="0"/>
+              <a:buChar char="•"/>
+            </a:pPr>
+            <a:r>
+              <a:rPr lang="nl-BE" sz="1600" dirty="0">
+                <a:solidFill>
+                  <a:schemeClr val="bg1"/>
+                </a:solidFill>
+              </a:rPr>
+              <a:t>Update(): per frame uitgevoerd</a:t>
+            </a:r>
+          </a:p>
+          <a:p>
+            <a:pPr marL="742950" lvl="1" indent="-285750">
+              <a:buFont typeface="Arial" panose="020B0604020202020204" pitchFamily="34" charset="0"/>
+              <a:buChar char="•"/>
+            </a:pPr>
+            <a:r>
+              <a:rPr lang="nl-BE" sz="1600" dirty="0">
+                <a:solidFill>
+                  <a:schemeClr val="bg1"/>
+                </a:solidFill>
+              </a:rPr>
+              <a:t>Uitzonderingen: bv. Drag- &amp; DropHandler</a:t>
+            </a:r>
+          </a:p>
+          <a:p>
+            <a:pPr marL="742950" lvl="1" indent="-285750">
+              <a:buFont typeface="Arial" panose="020B0604020202020204" pitchFamily="34" charset="0"/>
+              <a:buChar char="•"/>
+            </a:pPr>
+            <a:endParaRPr lang="nl-BE" dirty="0">
+              <a:solidFill>
+                <a:schemeClr val="bg1"/>
+              </a:solidFill>
+            </a:endParaRPr>
+          </a:p>
+        </p:txBody>
+      </p:sp>
+      <p:pic>
+        <p:nvPicPr>
+          <p:cNvPr id="6" name="Picture 5">
+            <a:extLst>
+              <a:ext uri="{FF2B5EF4-FFF2-40B4-BE49-F238E27FC236}">
+                <a16:creationId xmlns:a16="http://schemas.microsoft.com/office/drawing/2014/main" id="{4AD3D793-96F7-45FC-A98C-4E705FC57A43}"/>
+              </a:ext>
+            </a:extLst>
+          </p:cNvPr>
+          <p:cNvPicPr/>
+          <p:nvPr/>
+        </p:nvPicPr>
+        <p:blipFill>
+          <a:blip r:embed="rId3" cstate="print">
+            <a:extLst>
+              <a:ext uri="{28A0092B-C50C-407E-A947-70E740481C1C}">
+                <a14:useLocalDpi xmlns:a14="http://schemas.microsoft.com/office/drawing/2010/main" val="0"/>
+              </a:ext>
+            </a:extLst>
+          </a:blip>
+          <a:srcRect/>
+          <a:stretch>
+            <a:fillRect/>
+          </a:stretch>
+        </p:blipFill>
+        <p:spPr bwMode="auto">
+          <a:xfrm>
+            <a:off x="0" y="0"/>
+            <a:ext cx="720000" cy="720000"/>
+          </a:xfrm>
+          <a:prstGeom prst="rect">
+            <a:avLst/>
+          </a:prstGeom>
+          <a:noFill/>
+          <a:ln>
+            <a:noFill/>
+          </a:ln>
+        </p:spPr>
+      </p:pic>
+      <p:sp>
+        <p:nvSpPr>
+          <p:cNvPr id="7" name="TextBox 6">
+            <a:extLst>
+              <a:ext uri="{FF2B5EF4-FFF2-40B4-BE49-F238E27FC236}">
+                <a16:creationId xmlns:a16="http://schemas.microsoft.com/office/drawing/2014/main" id="{BE94EB75-4F15-44AF-87B7-2C7D29C24F6A}"/>
+              </a:ext>
+            </a:extLst>
+          </p:cNvPr>
+          <p:cNvSpPr txBox="1"/>
+          <p:nvPr/>
+        </p:nvSpPr>
+        <p:spPr>
+          <a:xfrm>
+            <a:off x="6629401" y="720000"/>
+            <a:ext cx="4724400" cy="5139869"/>
+          </a:xfrm>
+          <a:prstGeom prst="rect">
+            <a:avLst/>
+          </a:prstGeom>
+          <a:noFill/>
+        </p:spPr>
+        <p:txBody>
+          <a:bodyPr wrap="square" rtlCol="0">
+            <a:spAutoFit/>
+          </a:bodyPr>
+          <a:lstStyle/>
+          <a:p>
+            <a:pPr marL="742950" lvl="1" indent="-285750">
+              <a:buFont typeface="Arial" panose="020B0604020202020204" pitchFamily="34" charset="0"/>
+              <a:buChar char="•"/>
+            </a:pPr>
+            <a:endParaRPr lang="nl-BE" dirty="0">
+              <a:solidFill>
+                <a:schemeClr val="bg1"/>
+              </a:solidFill>
+            </a:endParaRPr>
+          </a:p>
+          <a:p>
+            <a:pPr marL="285750" indent="-285750">
+              <a:buFont typeface="Arial" panose="020B0604020202020204" pitchFamily="34" charset="0"/>
+              <a:buChar char="•"/>
+            </a:pPr>
+            <a:r>
+              <a:rPr lang="nl-BE" dirty="0">
+                <a:solidFill>
+                  <a:schemeClr val="bg1"/>
+                </a:solidFill>
+              </a:rPr>
+              <a:t>Bv. DGO level:</a:t>
+            </a:r>
+          </a:p>
+          <a:p>
+            <a:r>
+              <a:rPr lang="nl-BE" dirty="0">
+                <a:solidFill>
+                  <a:schemeClr val="bg1"/>
+                </a:solidFill>
+              </a:rPr>
+              <a:t> </a:t>
+            </a:r>
+          </a:p>
+          <a:p>
+            <a:pPr marL="742950" lvl="1" indent="-285750">
+              <a:buFont typeface="Arial" panose="020B0604020202020204" pitchFamily="34" charset="0"/>
+              <a:buChar char="•"/>
+            </a:pPr>
+            <a:r>
+              <a:rPr lang="nl-BE" sz="1600" dirty="0">
+                <a:solidFill>
+                  <a:schemeClr val="bg1"/>
+                </a:solidFill>
+              </a:rPr>
+              <a:t>DGOProblemController</a:t>
+            </a:r>
+          </a:p>
+          <a:p>
+            <a:pPr marL="1200150" lvl="2" indent="-285750">
+              <a:buFont typeface="Arial" panose="020B0604020202020204" pitchFamily="34" charset="0"/>
+              <a:buChar char="•"/>
+            </a:pPr>
+            <a:r>
+              <a:rPr lang="nl-BE" sz="1600" dirty="0">
+                <a:solidFill>
+                  <a:schemeClr val="bg1"/>
+                </a:solidFill>
+              </a:rPr>
+              <a:t>AddProblem(int rndindex, int index)</a:t>
+            </a:r>
+          </a:p>
+          <a:p>
+            <a:pPr marL="1200150" lvl="2" indent="-285750">
+              <a:buFont typeface="Arial" panose="020B0604020202020204" pitchFamily="34" charset="0"/>
+              <a:buChar char="•"/>
+            </a:pPr>
+            <a:r>
+              <a:rPr lang="nl-BE" sz="1600" dirty="0">
+                <a:solidFill>
+                  <a:schemeClr val="bg1"/>
+                </a:solidFill>
+              </a:rPr>
+              <a:t>RemoveProblem(int index)</a:t>
+            </a:r>
+          </a:p>
+          <a:p>
+            <a:pPr marL="1200150" lvl="2" indent="-285750">
+              <a:buFont typeface="Arial" panose="020B0604020202020204" pitchFamily="34" charset="0"/>
+              <a:buChar char="•"/>
+            </a:pPr>
+            <a:r>
+              <a:rPr lang="nl-BE" sz="1600" dirty="0">
+                <a:solidFill>
+                  <a:schemeClr val="bg1"/>
+                </a:solidFill>
+              </a:rPr>
+              <a:t>RemoveHappiness(int index)</a:t>
+            </a:r>
+          </a:p>
+          <a:p>
+            <a:pPr marL="1200150" lvl="2" indent="-285750">
+              <a:buFont typeface="Arial" panose="020B0604020202020204" pitchFamily="34" charset="0"/>
+              <a:buChar char="•"/>
+            </a:pPr>
+            <a:r>
+              <a:rPr lang="nl-BE" sz="1600" dirty="0">
+                <a:solidFill>
+                  <a:schemeClr val="bg1"/>
+                </a:solidFill>
+              </a:rPr>
+              <a:t>AddWorker(int index)</a:t>
+            </a:r>
+          </a:p>
+          <a:p>
+            <a:pPr marL="1200150" lvl="2" indent="-285750">
+              <a:buFont typeface="Arial" panose="020B0604020202020204" pitchFamily="34" charset="0"/>
+              <a:buChar char="•"/>
+            </a:pPr>
+            <a:r>
+              <a:rPr lang="nl-BE" sz="1600" dirty="0">
+                <a:solidFill>
+                  <a:schemeClr val="bg1"/>
+                </a:solidFill>
+              </a:rPr>
+              <a:t>RemoveWorker(int index)</a:t>
+            </a:r>
+          </a:p>
+          <a:p>
+            <a:pPr lvl="2"/>
+            <a:endParaRPr lang="nl-BE" sz="1600" dirty="0">
+              <a:solidFill>
+                <a:schemeClr val="bg1"/>
+              </a:solidFill>
+            </a:endParaRPr>
+          </a:p>
+          <a:p>
+            <a:pPr marL="742950" lvl="1" indent="-285750">
+              <a:buFont typeface="Arial" panose="020B0604020202020204" pitchFamily="34" charset="0"/>
+              <a:buChar char="•"/>
+            </a:pPr>
+            <a:r>
+              <a:rPr lang="nl-BE" sz="1600" dirty="0">
+                <a:solidFill>
+                  <a:schemeClr val="bg1"/>
+                </a:solidFill>
+              </a:rPr>
+              <a:t>DGOProblemGridFiller</a:t>
+            </a:r>
+          </a:p>
+          <a:p>
+            <a:pPr marL="1200150" lvl="2" indent="-285750">
+              <a:buFont typeface="Arial" panose="020B0604020202020204" pitchFamily="34" charset="0"/>
+              <a:buChar char="•"/>
+            </a:pPr>
+            <a:r>
+              <a:rPr lang="nl-BE" sz="1600" dirty="0">
+                <a:solidFill>
+                  <a:schemeClr val="bg1"/>
+                </a:solidFill>
+              </a:rPr>
+              <a:t>AddProblem(int index)</a:t>
+            </a:r>
+          </a:p>
+          <a:p>
+            <a:pPr marL="1200150" lvl="2" indent="-285750">
+              <a:buFont typeface="Arial" panose="020B0604020202020204" pitchFamily="34" charset="0"/>
+              <a:buChar char="•"/>
+            </a:pPr>
+            <a:r>
+              <a:rPr lang="nl-BE" sz="1600" dirty="0">
+                <a:solidFill>
+                  <a:schemeClr val="bg1"/>
+                </a:solidFill>
+              </a:rPr>
+              <a:t>RemoveProblem(int index)</a:t>
+            </a:r>
+          </a:p>
+          <a:p>
+            <a:pPr lvl="2"/>
+            <a:endParaRPr lang="nl-BE" sz="1600" dirty="0">
+              <a:solidFill>
+                <a:schemeClr val="bg1"/>
+              </a:solidFill>
+            </a:endParaRPr>
+          </a:p>
+          <a:p>
+            <a:pPr marL="742950" lvl="1" indent="-285750">
+              <a:buFont typeface="Arial" panose="020B0604020202020204" pitchFamily="34" charset="0"/>
+              <a:buChar char="•"/>
+            </a:pPr>
+            <a:r>
+              <a:rPr lang="nl-BE" sz="1600" dirty="0">
+                <a:solidFill>
+                  <a:schemeClr val="bg1"/>
+                </a:solidFill>
+              </a:rPr>
+              <a:t>DGOWorkerController</a:t>
+            </a:r>
+          </a:p>
+          <a:p>
+            <a:pPr marL="1200150" lvl="2" indent="-285750">
+              <a:buFont typeface="Arial" panose="020B0604020202020204" pitchFamily="34" charset="0"/>
+              <a:buChar char="•"/>
+            </a:pPr>
+            <a:r>
+              <a:rPr lang="nl-BE" sz="1600" dirty="0">
+                <a:solidFill>
+                  <a:schemeClr val="bg1"/>
+                </a:solidFill>
+              </a:rPr>
+              <a:t>BuyWorker()</a:t>
+            </a:r>
+          </a:p>
+          <a:p>
+            <a:pPr lvl="2"/>
+            <a:endParaRPr lang="nl-BE" sz="1600" dirty="0">
+              <a:solidFill>
+                <a:schemeClr val="bg1"/>
+              </a:solidFill>
+            </a:endParaRPr>
+          </a:p>
+          <a:p>
+            <a:pPr marL="742950" lvl="1" indent="-285750">
+              <a:buFont typeface="Arial" panose="020B0604020202020204" pitchFamily="34" charset="0"/>
+              <a:buChar char="•"/>
+            </a:pPr>
+            <a:r>
+              <a:rPr lang="nl-BE" sz="1600" dirty="0">
+                <a:solidFill>
+                  <a:schemeClr val="bg1"/>
+                </a:solidFill>
+              </a:rPr>
+              <a:t>DGOEventSystem</a:t>
+            </a:r>
+          </a:p>
+          <a:p>
+            <a:pPr marL="1200150" lvl="2" indent="-285750">
+              <a:buFont typeface="Arial" panose="020B0604020202020204" pitchFamily="34" charset="0"/>
+              <a:buChar char="•"/>
+            </a:pPr>
+            <a:r>
+              <a:rPr lang="nl-BE" sz="1600" dirty="0">
+                <a:solidFill>
+                  <a:schemeClr val="bg1"/>
+                </a:solidFill>
+              </a:rPr>
+              <a:t>ShowProblem()</a:t>
+            </a:r>
+          </a:p>
+          <a:p>
+            <a:pPr marL="1200150" lvl="2" indent="-285750">
+              <a:buFont typeface="Arial" panose="020B0604020202020204" pitchFamily="34" charset="0"/>
+              <a:buChar char="•"/>
+            </a:pPr>
+            <a:endParaRPr lang="nl-BE" dirty="0">
+              <a:solidFill>
+                <a:schemeClr val="bg1"/>
+              </a:solidFill>
+            </a:endParaRPr>
+          </a:p>
+        </p:txBody>
+      </p:sp>
+    </p:spTree>
+    <p:extLst>
+      <p:ext uri="{BB962C8B-B14F-4D97-AF65-F5344CB8AC3E}">
+        <p14:creationId xmlns:p14="http://schemas.microsoft.com/office/powerpoint/2010/main" val="1742835953"/>
+      </p:ext>
+    </p:extLst>
+  </p:cSld>
+  <p:clrMapOvr>
+    <a:masterClrMapping/>
+  </p:clrMapOvr>
+</p:sld>
+</file>
+
+<file path=ppt/slides/slide8.xml><?xml version="1.0" encoding="utf-8"?>
+<p:sld xmlns:a="http://purl.oclc.org/ooxml/drawingml/main" xmlns:r="http://purl.oclc.org/ooxml/officeDocument/relationships" xmlns:p="http://purl.oclc.org/ooxml/presentationml/main">
+  <p:cSld>
+    <p:spTree>
+      <p:nvGrpSpPr>
+        <p:cNvPr id="1" name=""/>
+        <p:cNvGrpSpPr/>
+        <p:nvPr/>
+      </p:nvGrpSpPr>
+      <p:grpSpPr>
+        <a:xfrm>
+          <a:off x="0" y="0"/>
+          <a:ext cx="0" cy="0"/>
+          <a:chOff x="0" y="0"/>
+          <a:chExt cx="0" cy="0"/>
+        </a:xfrm>
+      </p:grpSpPr>
+      <p:sp>
+        <p:nvSpPr>
+          <p:cNvPr id="2" name="Slide Number Placeholder 1">
+            <a:extLst>
+              <a:ext uri="{FF2B5EF4-FFF2-40B4-BE49-F238E27FC236}">
+                <a16:creationId xmlns:a16="http://schemas.microsoft.com/office/drawing/2014/main" id="{2A3D5A2B-267E-4DFD-B52F-5E0D289A5A0B}"/>
+              </a:ext>
+            </a:extLst>
+          </p:cNvPr>
+          <p:cNvSpPr>
+            <a:spLocks noGrp="1"/>
+          </p:cNvSpPr>
+          <p:nvPr>
+            <p:ph type="sldNum" sz="quarter" idx="13"/>
+          </p:nvPr>
+        </p:nvSpPr>
+        <p:spPr/>
+        <p:txBody>
+          <a:bodyPr/>
+          <a:lstStyle/>
+          <a:p>
+            <a:fld id="{43981729-7503-47A0-96E9-2C54EA94F56A}" type="slidenum">
+              <a:rPr lang="en-US" smtClean="0"/>
+              <a:pPr/>
+              <a:t>8</a:t>
             </a:fld>
             <a:endParaRPr lang="en-US" dirty="0"/>
           </a:p>
@@ -36189,7 +37141,7 @@
 </p:sld>
 </file>
 
-<file path=ppt/slides/slide8.xml><?xml version="1.0" encoding="utf-8"?>
+<file path=ppt/slides/slide9.xml><?xml version="1.0" encoding="utf-8"?>
 <p:sld xmlns:a="http://purl.oclc.org/ooxml/drawingml/main" xmlns:r="http://purl.oclc.org/ooxml/officeDocument/relationships" xmlns:p="http://purl.oclc.org/ooxml/presentationml/main">
   <p:cSld>
     <p:spTree>
@@ -36230,7 +37182,7 @@
             <a:fld id="{43981729-7503-47A0-96E9-2C54EA94F56A}" type="slidenum">
               <a:rPr lang="en-US" smtClean="0"/>
               <a:pPr/>
-              <a:t>8</a:t>
+              <a:t>9</a:t>
             </a:fld>
             <a:endParaRPr lang="en-US" dirty="0"/>
           </a:p>
@@ -36302,7 +37254,7 @@
                   <a:schemeClr val="bg1"/>
                 </a:solidFill>
               </a:rPr>
-              <a:t>Uitbreiden van de support pagina</a:t>
+              <a:t>Uitbreiden van de support pagina.</a:t>
             </a:r>
           </a:p>
           <a:p>
@@ -36330,7 +37282,7 @@
                   <a:schemeClr val="bg1"/>
                 </a:solidFill>
               </a:rPr>
-              <a:t>Encryptie toevoegen aan confidentiële bestanden.</a:t>
+              <a:t>Alle tekst in XML bestand verwerken. </a:t>
             </a:r>
           </a:p>
           <a:p>
@@ -36344,7 +37296,7 @@
                   <a:schemeClr val="bg1"/>
                 </a:solidFill>
               </a:rPr>
-              <a:t>Nieuwe levels toevoegen</a:t>
+              <a:t>Encryptie toevoegen aan confidentiële bestanden.</a:t>
             </a:r>
           </a:p>
           <a:p>
@@ -36358,7 +37310,7 @@
                   <a:schemeClr val="bg1"/>
                 </a:solidFill>
               </a:rPr>
-              <a:t>Samenvatting toevoegen van alle informatie</a:t>
+              <a:t>Nieuwe levels toevoegen.</a:t>
             </a:r>
           </a:p>
         </p:txBody>
@@ -36406,232 +37358,6 @@
     <p:extLst>
       <p:ext uri="{BB962C8B-B14F-4D97-AF65-F5344CB8AC3E}">
         <p14:creationId xmlns:p14="http://schemas.microsoft.com/office/powerpoint/2010/main" val="2158708448"/>
-      </p:ext>
-    </p:extLst>
-  </p:cSld>
-  <p:clrMapOvr>
-    <a:masterClrMapping/>
-  </p:clrMapOvr>
-</p:sld>
-</file>
-
-<file path=ppt/slides/slide9.xml><?xml version="1.0" encoding="utf-8"?>
-<p:sld xmlns:a="http://purl.oclc.org/ooxml/drawingml/main" xmlns:r="http://purl.oclc.org/ooxml/officeDocument/relationships" xmlns:p="http://purl.oclc.org/ooxml/presentationml/main">
-  <p:cSld>
-    <p:spTree>
-      <p:nvGrpSpPr>
-        <p:cNvPr id="1" name=""/>
-        <p:cNvGrpSpPr/>
-        <p:nvPr/>
-      </p:nvGrpSpPr>
-      <p:grpSpPr>
-        <a:xfrm>
-          <a:off x="0" y="0"/>
-          <a:ext cx="0" cy="0"/>
-          <a:chOff x="0" y="0"/>
-          <a:chExt cx="0" cy="0"/>
-        </a:xfrm>
-      </p:grpSpPr>
-      <p:sp>
-        <p:nvSpPr>
-          <p:cNvPr id="3" name="Slide Number Placeholder 2">
-            <a:extLst>
-              <a:ext uri="{FF2B5EF4-FFF2-40B4-BE49-F238E27FC236}">
-                <a16:creationId xmlns:a16="http://schemas.microsoft.com/office/drawing/2014/main" id="{0110B3CA-6D11-48E2-BD8A-904AB47C1EDA}"/>
-              </a:ext>
-            </a:extLst>
-          </p:cNvPr>
-          <p:cNvSpPr>
-            <a:spLocks noGrp="1"/>
-          </p:cNvSpPr>
-          <p:nvPr>
-            <p:ph type="sldNum" sz="quarter" idx="13"/>
-          </p:nvPr>
-        </p:nvSpPr>
-        <p:spPr/>
-        <p:txBody>
-          <a:bodyPr/>
-          <a:lstStyle/>
-          <a:p>
-            <a:fld id="{43981729-7503-47A0-96E9-2C54EA94F56A}" type="slidenum">
-              <a:rPr lang="en-US" smtClean="0"/>
-              <a:pPr/>
-              <a:t>9</a:t>
-            </a:fld>
-            <a:endParaRPr lang="en-US" dirty="0"/>
-          </a:p>
-        </p:txBody>
-      </p:sp>
-      <p:sp>
-        <p:nvSpPr>
-          <p:cNvPr id="4" name="Title 3">
-            <a:extLst>
-              <a:ext uri="{FF2B5EF4-FFF2-40B4-BE49-F238E27FC236}">
-                <a16:creationId xmlns:a16="http://schemas.microsoft.com/office/drawing/2014/main" id="{69012BB7-8744-4BDF-92C0-CD55EBDDEEFF}"/>
-              </a:ext>
-            </a:extLst>
-          </p:cNvPr>
-          <p:cNvSpPr>
-            <a:spLocks noGrp="1"/>
-          </p:cNvSpPr>
-          <p:nvPr>
-            <p:ph type="title"/>
-          </p:nvPr>
-        </p:nvSpPr>
-        <p:spPr>
-          <a:xfrm>
-            <a:off x="838200" y="1232527"/>
-            <a:ext cx="10515600" cy="618385"/>
-          </a:xfrm>
-        </p:spPr>
-        <p:txBody>
-          <a:bodyPr/>
-          <a:lstStyle/>
-          <a:p>
-            <a:r>
-              <a:rPr lang="en-GB" dirty="0" err="1"/>
-              <a:t>Problemen</a:t>
-            </a:r>
-            <a:r>
-              <a:rPr lang="en-GB" dirty="0"/>
-              <a:t> &amp; </a:t>
-            </a:r>
-            <a:r>
-              <a:rPr lang="en-GB" dirty="0" err="1"/>
-              <a:t>Uitdagingen</a:t>
-            </a:r>
-            <a:endParaRPr lang="en-GB" dirty="0"/>
-          </a:p>
-        </p:txBody>
-      </p:sp>
-      <p:sp>
-        <p:nvSpPr>
-          <p:cNvPr id="5" name="TextBox 4">
-            <a:extLst>
-              <a:ext uri="{FF2B5EF4-FFF2-40B4-BE49-F238E27FC236}">
-                <a16:creationId xmlns:a16="http://schemas.microsoft.com/office/drawing/2014/main" id="{77C8E33E-038A-4DFB-8678-EEB96D6810FC}"/>
-              </a:ext>
-            </a:extLst>
-          </p:cNvPr>
-          <p:cNvSpPr txBox="1"/>
-          <p:nvPr/>
-        </p:nvSpPr>
-        <p:spPr>
-          <a:xfrm>
-            <a:off x="838200" y="2182505"/>
-            <a:ext cx="10723417" cy="1477328"/>
-          </a:xfrm>
-          <a:prstGeom prst="rect">
-            <a:avLst/>
-          </a:prstGeom>
-          <a:noFill/>
-        </p:spPr>
-        <p:txBody>
-          <a:bodyPr wrap="square" rtlCol="0">
-            <a:spAutoFit/>
-          </a:bodyPr>
-          <a:lstStyle/>
-          <a:p>
-            <a:pPr marL="285750" indent="-285750">
-              <a:buFont typeface="Arial" panose="020B0604020202020204" pitchFamily="34" charset="0"/>
-              <a:buChar char="•"/>
-            </a:pPr>
-            <a:r>
-              <a:rPr lang="nl-BE" dirty="0">
-                <a:solidFill>
-                  <a:schemeClr val="bg1"/>
-                </a:solidFill>
-              </a:rPr>
-              <a:t>Reeds bestaand project; documentatie was aanwezig</a:t>
-            </a:r>
-          </a:p>
-          <a:p>
-            <a:pPr marL="285750" indent="-285750">
-              <a:buFont typeface="Arial" panose="020B0604020202020204" pitchFamily="34" charset="0"/>
-              <a:buChar char="•"/>
-            </a:pPr>
-            <a:r>
-              <a:rPr lang="nl-BE" dirty="0">
-                <a:solidFill>
-                  <a:schemeClr val="bg1"/>
-                </a:solidFill>
-              </a:rPr>
-              <a:t>Kleine oriëntatie vereist; opleiding zelf overlopen</a:t>
-            </a:r>
-          </a:p>
-          <a:p>
-            <a:pPr marL="285750" indent="-285750">
-              <a:buFont typeface="Arial" panose="020B0604020202020204" pitchFamily="34" charset="0"/>
-              <a:buChar char="•"/>
-            </a:pPr>
-            <a:r>
-              <a:rPr lang="nl-BE" dirty="0">
-                <a:solidFill>
-                  <a:schemeClr val="bg1"/>
-                </a:solidFill>
-              </a:rPr>
-              <a:t>Correct opslaan en gebruik van bestanden op lokale of globale locaties</a:t>
-            </a:r>
-          </a:p>
-          <a:p>
-            <a:endParaRPr lang="nl-BE" dirty="0">
-              <a:solidFill>
-                <a:schemeClr val="bg1"/>
-              </a:solidFill>
-            </a:endParaRPr>
-          </a:p>
-          <a:p>
-            <a:endParaRPr lang="nl-BE" dirty="0">
-              <a:solidFill>
-                <a:schemeClr val="bg1"/>
-              </a:solidFill>
-            </a:endParaRPr>
-          </a:p>
-        </p:txBody>
-      </p:sp>
-      <p:pic>
-        <p:nvPicPr>
-          <p:cNvPr id="6" name="Picture 5">
-            <a:extLst>
-              <a:ext uri="{FF2B5EF4-FFF2-40B4-BE49-F238E27FC236}">
-                <a16:creationId xmlns:a16="http://schemas.microsoft.com/office/drawing/2014/main" id="{44E4BE60-A25D-4A21-8F5E-E4B9C9845026}"/>
-              </a:ext>
-            </a:extLst>
-          </p:cNvPr>
-          <p:cNvPicPr/>
-          <p:nvPr/>
-        </p:nvPicPr>
-        <p:blipFill>
-          <a:blip r:embed="rId2" cstate="print">
-            <a:extLst>
-              <a:ext uri="{28A0092B-C50C-407E-A947-70E740481C1C}">
-                <a14:useLocalDpi xmlns:a14="http://schemas.microsoft.com/office/drawing/2010/main" val="0"/>
-              </a:ext>
-            </a:extLst>
-          </a:blip>
-          <a:srcRect/>
-          <a:stretch>
-            <a:fillRect/>
-          </a:stretch>
-        </p:blipFill>
-        <p:spPr bwMode="auto">
-          <a:xfrm>
-            <a:off x="0" y="0"/>
-            <a:ext cx="720000" cy="720000"/>
-          </a:xfrm>
-          <a:prstGeom prst="rect">
-            <a:avLst/>
-          </a:prstGeom>
-          <a:noFill/>
-          <a:ln>
-            <a:noFill/>
-          </a:ln>
-        </p:spPr>
-      </p:pic>
-    </p:spTree>
-    <p:extLst>
-      <p:ext uri="{BB962C8B-B14F-4D97-AF65-F5344CB8AC3E}">
-        <p14:creationId xmlns:p14="http://schemas.microsoft.com/office/powerpoint/2010/main" val="1852151783"/>
       </p:ext>
     </p:extLst>
   </p:cSld>

--- a/Presentaties/Finale Presentatie Van Bogaert Sam.pptx
+++ b/Presentaties/Finale Presentatie Van Bogaert Sam.pptx
@@ -5,10 +5,10 @@
     <p:sldMasterId id="2147483980" r:id="rId5"/>
   </p:sldMasterIdLst>
   <p:notesMasterIdLst>
-    <p:notesMasterId r:id="rId19"/>
+    <p:notesMasterId r:id="rId20"/>
   </p:notesMasterIdLst>
   <p:handoutMasterIdLst>
-    <p:handoutMasterId r:id="rId20"/>
+    <p:handoutMasterId r:id="rId21"/>
   </p:handoutMasterIdLst>
   <p:sldIdLst>
     <p:sldId id="258" r:id="rId6"/>
@@ -19,11 +19,12 @@
     <p:sldId id="262" r:id="rId11"/>
     <p:sldId id="277" r:id="rId12"/>
     <p:sldId id="273" r:id="rId13"/>
-    <p:sldId id="267" r:id="rId14"/>
-    <p:sldId id="266" r:id="rId15"/>
-    <p:sldId id="268" r:id="rId16"/>
-    <p:sldId id="274" r:id="rId17"/>
-    <p:sldId id="275" r:id="rId18"/>
+    <p:sldId id="278" r:id="rId14"/>
+    <p:sldId id="267" r:id="rId15"/>
+    <p:sldId id="266" r:id="rId16"/>
+    <p:sldId id="268" r:id="rId17"/>
+    <p:sldId id="274" r:id="rId18"/>
+    <p:sldId id="275" r:id="rId19"/>
   </p:sldIdLst>
   <p:sldSz cx="12192000" cy="6858000"/>
   <p:notesSz cx="6858000" cy="9144000"/>
@@ -135,6 +136,7 @@
             <p14:sldId id="262"/>
             <p14:sldId id="277"/>
             <p14:sldId id="273"/>
+            <p14:sldId id="278"/>
             <p14:sldId id="267"/>
             <p14:sldId id="266"/>
             <p14:sldId id="268"/>
@@ -3348,7 +3350,7 @@
           <a:p>
             <a:fld id="{0DE3A5DF-311E-405A-A5D3-F9F8C4753B14}" type="datetime1">
               <a:rPr lang="en-GB" smtClean="0"/>
-              <a:t>22/08/2019</a:t>
+              <a:t>26/08/2019</a:t>
             </a:fld>
             <a:endParaRPr lang="en-GB"/>
           </a:p>
@@ -3529,7 +3531,7 @@
           <a:p>
             <a:fld id="{61265FE6-EFEA-4953-9E2B-F8EBAAE2E77A}" type="datetime1">
               <a:rPr lang="en-GB" smtClean="0"/>
-              <a:t>22/08/2019</a:t>
+              <a:t>26/08/2019</a:t>
             </a:fld>
             <a:endParaRPr lang="en-GB"/>
           </a:p>
@@ -3845,24 +3847,6 @@
           <a:bodyPr/>
           <a:lstStyle/>
           <a:p>
-            <a:r>
-              <a:rPr lang="nl-BE" dirty="0"/>
-              <a:t>DGO</a:t>
-            </a:r>
-          </a:p>
-          <a:p>
-            <a:r>
-              <a:rPr lang="nl-BE" dirty="0"/>
-              <a:t>XMLManager: Highscores</a:t>
-            </a:r>
-          </a:p>
-          <a:p>
-            <a:r>
-              <a:rPr lang="nl-BE" dirty="0"/>
-              <a:t>EmailController</a:t>
-            </a:r>
-          </a:p>
-          <a:p>
             <a:endParaRPr lang="nl-BE" dirty="0"/>
           </a:p>
         </p:txBody>
@@ -3884,7 +3868,154 @@
           <a:p>
             <a:fld id="{61265FE6-EFEA-4953-9E2B-F8EBAAE2E77A}" type="datetime1">
               <a:rPr lang="en-GB" smtClean="0"/>
-              <a:t>22/08/2019</a:t>
+              <a:t>26/08/2019</a:t>
+            </a:fld>
+            <a:endParaRPr lang="en-GB"/>
+          </a:p>
+        </p:txBody>
+      </p:sp>
+      <p:sp>
+        <p:nvSpPr>
+          <p:cNvPr id="5" name="Footer Placeholder 4"/>
+          <p:cNvSpPr>
+            <a:spLocks noGrp="1"/>
+          </p:cNvSpPr>
+          <p:nvPr>
+            <p:ph type="ftr" sz="quarter" idx="4"/>
+          </p:nvPr>
+        </p:nvSpPr>
+        <p:spPr/>
+        <p:txBody>
+          <a:bodyPr/>
+          <a:lstStyle/>
+          <a:p>
+            <a:r>
+              <a:rPr lang="en-GB"/>
+              <a:t>Company Confidential</a:t>
+            </a:r>
+          </a:p>
+        </p:txBody>
+      </p:sp>
+      <p:sp>
+        <p:nvSpPr>
+          <p:cNvPr id="6" name="Slide Number Placeholder 5"/>
+          <p:cNvSpPr>
+            <a:spLocks noGrp="1"/>
+          </p:cNvSpPr>
+          <p:nvPr>
+            <p:ph type="sldNum" sz="quarter" idx="5"/>
+          </p:nvPr>
+        </p:nvSpPr>
+        <p:spPr/>
+        <p:txBody>
+          <a:bodyPr/>
+          <a:lstStyle/>
+          <a:p>
+            <a:fld id="{0F693F62-F55D-4114-B97A-2F687BC6F8F0}" type="slidenum">
+              <a:rPr lang="en-GB" smtClean="0"/>
+              <a:t>3</a:t>
+            </a:fld>
+            <a:endParaRPr lang="en-GB"/>
+          </a:p>
+        </p:txBody>
+      </p:sp>
+    </p:spTree>
+    <p:extLst>
+      <p:ext uri="{BB962C8B-B14F-4D97-AF65-F5344CB8AC3E}">
+        <p14:creationId xmlns:p14="http://schemas.microsoft.com/office/powerpoint/2010/main" val="3335615731"/>
+      </p:ext>
+    </p:extLst>
+  </p:cSld>
+  <p:clrMapOvr>
+    <a:masterClrMapping/>
+  </p:clrMapOvr>
+</p:notes>
+</file>
+
+<file path=ppt/notesSlides/notesSlide2.xml><?xml version="1.0" encoding="utf-8"?>
+<p:notes xmlns:a="http://purl.oclc.org/ooxml/drawingml/main" xmlns:r="http://purl.oclc.org/ooxml/officeDocument/relationships" xmlns:p="http://purl.oclc.org/ooxml/presentationml/main">
+  <p:cSld>
+    <p:spTree>
+      <p:nvGrpSpPr>
+        <p:cNvPr id="1" name=""/>
+        <p:cNvGrpSpPr/>
+        <p:nvPr/>
+      </p:nvGrpSpPr>
+      <p:grpSpPr>
+        <a:xfrm>
+          <a:off x="0" y="0"/>
+          <a:ext cx="0" cy="0"/>
+          <a:chOff x="0" y="0"/>
+          <a:chExt cx="0" cy="0"/>
+        </a:xfrm>
+      </p:grpSpPr>
+      <p:sp>
+        <p:nvSpPr>
+          <p:cNvPr id="2" name="Slide Image Placeholder 1"/>
+          <p:cNvSpPr>
+            <a:spLocks noGrp="1" noRot="1" noChangeAspect="1"/>
+          </p:cNvSpPr>
+          <p:nvPr>
+            <p:ph type="sldImg"/>
+          </p:nvPr>
+        </p:nvSpPr>
+        <p:spPr/>
+      </p:sp>
+      <p:sp>
+        <p:nvSpPr>
+          <p:cNvPr id="3" name="Notes Placeholder 2"/>
+          <p:cNvSpPr>
+            <a:spLocks noGrp="1"/>
+          </p:cNvSpPr>
+          <p:nvPr>
+            <p:ph type="body" idx="1"/>
+          </p:nvPr>
+        </p:nvSpPr>
+        <p:spPr/>
+        <p:txBody>
+          <a:bodyPr/>
+          <a:lstStyle/>
+          <a:p>
+            <a:r>
+              <a:rPr lang="nl-BE" dirty="0"/>
+              <a:t>DGO</a:t>
+            </a:r>
+          </a:p>
+          <a:p>
+            <a:r>
+              <a:rPr lang="nl-BE" dirty="0"/>
+              <a:t>XMLManager: Highscores</a:t>
+            </a:r>
+          </a:p>
+          <a:p>
+            <a:r>
+              <a:rPr lang="nl-BE" dirty="0"/>
+              <a:t>EmailController</a:t>
+            </a:r>
+          </a:p>
+          <a:p>
+            <a:endParaRPr lang="nl-BE" dirty="0"/>
+          </a:p>
+        </p:txBody>
+      </p:sp>
+      <p:sp>
+        <p:nvSpPr>
+          <p:cNvPr id="4" name="Date Placeholder 3"/>
+          <p:cNvSpPr>
+            <a:spLocks noGrp="1"/>
+          </p:cNvSpPr>
+          <p:nvPr>
+            <p:ph type="dt" idx="1"/>
+          </p:nvPr>
+        </p:nvSpPr>
+        <p:spPr/>
+        <p:txBody>
+          <a:bodyPr/>
+          <a:lstStyle/>
+          <a:p>
+            <a:fld id="{61265FE6-EFEA-4953-9E2B-F8EBAAE2E77A}" type="datetime1">
+              <a:rPr lang="en-GB" smtClean="0"/>
+              <a:t>26/08/2019</a:t>
             </a:fld>
             <a:endParaRPr lang="en-GB"/>
           </a:p>
@@ -34135,10 +34266,10 @@
       </p:grpSpPr>
       <p:sp>
         <p:nvSpPr>
-          <p:cNvPr id="3" name="Slide Number Placeholder 2">
-            <a:extLst>
-              <a:ext uri="{FF2B5EF4-FFF2-40B4-BE49-F238E27FC236}">
-                <a16:creationId xmlns:a16="http://schemas.microsoft.com/office/drawing/2014/main" id="{0110B3CA-6D11-48E2-BD8A-904AB47C1EDA}"/>
+          <p:cNvPr id="2" name="Slide Number Placeholder 1">
+            <a:extLst>
+              <a:ext uri="{FF2B5EF4-FFF2-40B4-BE49-F238E27FC236}">
+                <a16:creationId xmlns:a16="http://schemas.microsoft.com/office/drawing/2014/main" id="{187C4896-8B71-439A-8E21-68C2DD93837F}"/>
               </a:ext>
             </a:extLst>
           </p:cNvPr>
@@ -34165,10 +34296,10 @@
       </p:sp>
       <p:sp>
         <p:nvSpPr>
-          <p:cNvPr id="4" name="Title 3">
-            <a:extLst>
-              <a:ext uri="{FF2B5EF4-FFF2-40B4-BE49-F238E27FC236}">
-                <a16:creationId xmlns:a16="http://schemas.microsoft.com/office/drawing/2014/main" id="{69012BB7-8744-4BDF-92C0-CD55EBDDEEFF}"/>
+          <p:cNvPr id="3" name="Title 2">
+            <a:extLst>
+              <a:ext uri="{FF2B5EF4-FFF2-40B4-BE49-F238E27FC236}">
+                <a16:creationId xmlns:a16="http://schemas.microsoft.com/office/drawing/2014/main" id="{94C8C003-9631-4E1F-835E-F7AFDAFFCAFA}"/>
               </a:ext>
             </a:extLst>
           </p:cNvPr>
@@ -34179,6 +34310,257 @@
             <p:ph type="title"/>
           </p:nvPr>
         </p:nvSpPr>
+        <p:spPr/>
+        <p:txBody>
+          <a:bodyPr/>
+          <a:lstStyle/>
+          <a:p>
+            <a:r>
+              <a:rPr lang="nl-BE" dirty="0"/>
+              <a:t>Toekomst</a:t>
+            </a:r>
+          </a:p>
+        </p:txBody>
+      </p:sp>
+      <p:sp>
+        <p:nvSpPr>
+          <p:cNvPr id="5" name="TextBox 4">
+            <a:extLst>
+              <a:ext uri="{FF2B5EF4-FFF2-40B4-BE49-F238E27FC236}">
+                <a16:creationId xmlns:a16="http://schemas.microsoft.com/office/drawing/2014/main" id="{8955BC64-19B8-499E-BFE8-D735211368DF}"/>
+              </a:ext>
+            </a:extLst>
+          </p:cNvPr>
+          <p:cNvSpPr txBox="1"/>
+          <p:nvPr/>
+        </p:nvSpPr>
+        <p:spPr>
+          <a:xfrm>
+            <a:off x="838200" y="2182505"/>
+            <a:ext cx="10723417" cy="2031325"/>
+          </a:xfrm>
+          <a:prstGeom prst="rect">
+            <a:avLst/>
+          </a:prstGeom>
+          <a:noFill/>
+        </p:spPr>
+        <p:txBody>
+          <a:bodyPr wrap="square" rtlCol="0">
+            <a:spAutoFit/>
+          </a:bodyPr>
+          <a:lstStyle/>
+          <a:p>
+            <a:pPr marL="285750" indent="-285750">
+              <a:buFont typeface="Arial" panose="020B0604020202020204" pitchFamily="34" charset="0"/>
+              <a:buChar char="•"/>
+            </a:pPr>
+            <a:r>
+              <a:rPr lang="nl-BE" dirty="0">
+                <a:solidFill>
+                  <a:schemeClr val="bg1"/>
+                </a:solidFill>
+              </a:rPr>
+              <a:t>Uitbreiden van de support pagina.</a:t>
+            </a:r>
+          </a:p>
+          <a:p>
+            <a:pPr marL="742950" lvl="1" indent="-285750">
+              <a:buFont typeface="Arial" panose="020B0604020202020204" pitchFamily="34" charset="0"/>
+              <a:buChar char="•"/>
+            </a:pPr>
+            <a:r>
+              <a:rPr lang="nl-BE" dirty="0">
+                <a:solidFill>
+                  <a:schemeClr val="bg1"/>
+                </a:solidFill>
+              </a:rPr>
+              <a:t>API &amp; Database</a:t>
+            </a:r>
+          </a:p>
+          <a:p>
+            <a:pPr marL="285750" indent="-285750">
+              <a:buFont typeface="Arial" panose="020B0604020202020204" pitchFamily="34" charset="0"/>
+              <a:buChar char="•"/>
+            </a:pPr>
+            <a:r>
+              <a:rPr lang="nl-BE" dirty="0">
+                <a:solidFill>
+                  <a:schemeClr val="bg1"/>
+                </a:solidFill>
+              </a:rPr>
+              <a:t>JSON formaat integreren</a:t>
+            </a:r>
+          </a:p>
+          <a:p>
+            <a:pPr marL="285750" indent="-285750">
+              <a:buFont typeface="Arial" panose="020B0604020202020204" pitchFamily="34" charset="0"/>
+              <a:buChar char="•"/>
+            </a:pPr>
+            <a:r>
+              <a:rPr lang="nl-BE" dirty="0">
+                <a:solidFill>
+                  <a:schemeClr val="bg1"/>
+                </a:solidFill>
+              </a:rPr>
+              <a:t>Log in menu verbeteren</a:t>
+            </a:r>
+          </a:p>
+          <a:p>
+            <a:pPr marL="285750" indent="-285750">
+              <a:buFont typeface="Arial" panose="020B0604020202020204" pitchFamily="34" charset="0"/>
+              <a:buChar char="•"/>
+            </a:pPr>
+            <a:r>
+              <a:rPr lang="nl-BE" dirty="0">
+                <a:solidFill>
+                  <a:schemeClr val="bg1"/>
+                </a:solidFill>
+              </a:rPr>
+              <a:t>Code refactoring</a:t>
+            </a:r>
+          </a:p>
+          <a:p>
+            <a:pPr marL="285750" indent="-285750">
+              <a:buFont typeface="Arial" panose="020B0604020202020204" pitchFamily="34" charset="0"/>
+              <a:buChar char="•"/>
+            </a:pPr>
+            <a:r>
+              <a:rPr lang="nl-BE" dirty="0">
+                <a:solidFill>
+                  <a:schemeClr val="bg1"/>
+                </a:solidFill>
+              </a:rPr>
+              <a:t>Nieuwe levels toevoegen.</a:t>
+            </a:r>
+          </a:p>
+          <a:p>
+            <a:pPr marL="285750" indent="-285750">
+              <a:buFont typeface="Arial" panose="020B0604020202020204" pitchFamily="34" charset="0"/>
+              <a:buChar char="•"/>
+            </a:pPr>
+            <a:endParaRPr lang="nl-BE" dirty="0">
+              <a:solidFill>
+                <a:schemeClr val="bg1"/>
+              </a:solidFill>
+            </a:endParaRPr>
+          </a:p>
+        </p:txBody>
+      </p:sp>
+      <p:pic>
+        <p:nvPicPr>
+          <p:cNvPr id="8" name="Picture 7">
+            <a:extLst>
+              <a:ext uri="{FF2B5EF4-FFF2-40B4-BE49-F238E27FC236}">
+                <a16:creationId xmlns:a16="http://schemas.microsoft.com/office/drawing/2014/main" id="{5F46B9B9-3E46-414B-BC04-EDE9342D0CF7}"/>
+              </a:ext>
+            </a:extLst>
+          </p:cNvPr>
+          <p:cNvPicPr/>
+          <p:nvPr/>
+        </p:nvPicPr>
+        <p:blipFill>
+          <a:blip r:embed="rId2" cstate="print">
+            <a:extLst>
+              <a:ext uri="{28A0092B-C50C-407E-A947-70E740481C1C}">
+                <a14:useLocalDpi xmlns:a14="http://schemas.microsoft.com/office/drawing/2010/main" val="0"/>
+              </a:ext>
+            </a:extLst>
+          </a:blip>
+          <a:srcRect/>
+          <a:stretch>
+            <a:fillRect/>
+          </a:stretch>
+        </p:blipFill>
+        <p:spPr bwMode="auto">
+          <a:xfrm>
+            <a:off x="0" y="0"/>
+            <a:ext cx="720000" cy="720000"/>
+          </a:xfrm>
+          <a:prstGeom prst="rect">
+            <a:avLst/>
+          </a:prstGeom>
+          <a:noFill/>
+          <a:ln>
+            <a:noFill/>
+          </a:ln>
+        </p:spPr>
+      </p:pic>
+    </p:spTree>
+    <p:extLst>
+      <p:ext uri="{BB962C8B-B14F-4D97-AF65-F5344CB8AC3E}">
+        <p14:creationId xmlns:p14="http://schemas.microsoft.com/office/powerpoint/2010/main" val="2158708448"/>
+      </p:ext>
+    </p:extLst>
+  </p:cSld>
+  <p:clrMapOvr>
+    <a:masterClrMapping/>
+  </p:clrMapOvr>
+</p:sld>
+</file>
+
+<file path=ppt/slides/slide11.xml><?xml version="1.0" encoding="utf-8"?>
+<p:sld xmlns:a="http://purl.oclc.org/ooxml/drawingml/main" xmlns:r="http://purl.oclc.org/ooxml/officeDocument/relationships" xmlns:p="http://purl.oclc.org/ooxml/presentationml/main">
+  <p:cSld>
+    <p:spTree>
+      <p:nvGrpSpPr>
+        <p:cNvPr id="1" name=""/>
+        <p:cNvGrpSpPr/>
+        <p:nvPr/>
+      </p:nvGrpSpPr>
+      <p:grpSpPr>
+        <a:xfrm>
+          <a:off x="0" y="0"/>
+          <a:ext cx="0" cy="0"/>
+          <a:chOff x="0" y="0"/>
+          <a:chExt cx="0" cy="0"/>
+        </a:xfrm>
+      </p:grpSpPr>
+      <p:sp>
+        <p:nvSpPr>
+          <p:cNvPr id="3" name="Slide Number Placeholder 2">
+            <a:extLst>
+              <a:ext uri="{FF2B5EF4-FFF2-40B4-BE49-F238E27FC236}">
+                <a16:creationId xmlns:a16="http://schemas.microsoft.com/office/drawing/2014/main" id="{0110B3CA-6D11-48E2-BD8A-904AB47C1EDA}"/>
+              </a:ext>
+            </a:extLst>
+          </p:cNvPr>
+          <p:cNvSpPr>
+            <a:spLocks noGrp="1"/>
+          </p:cNvSpPr>
+          <p:nvPr>
+            <p:ph type="sldNum" sz="quarter" idx="13"/>
+          </p:nvPr>
+        </p:nvSpPr>
+        <p:spPr/>
+        <p:txBody>
+          <a:bodyPr/>
+          <a:lstStyle/>
+          <a:p>
+            <a:fld id="{43981729-7503-47A0-96E9-2C54EA94F56A}" type="slidenum">
+              <a:rPr lang="en-US" smtClean="0"/>
+              <a:pPr/>
+              <a:t>11</a:t>
+            </a:fld>
+            <a:endParaRPr lang="en-US" dirty="0"/>
+          </a:p>
+        </p:txBody>
+      </p:sp>
+      <p:sp>
+        <p:nvSpPr>
+          <p:cNvPr id="4" name="Title 3">
+            <a:extLst>
+              <a:ext uri="{FF2B5EF4-FFF2-40B4-BE49-F238E27FC236}">
+                <a16:creationId xmlns:a16="http://schemas.microsoft.com/office/drawing/2014/main" id="{69012BB7-8744-4BDF-92C0-CD55EBDDEEFF}"/>
+              </a:ext>
+            </a:extLst>
+          </p:cNvPr>
+          <p:cNvSpPr>
+            <a:spLocks noGrp="1"/>
+          </p:cNvSpPr>
+          <p:nvPr>
+            <p:ph type="title"/>
+          </p:nvPr>
+        </p:nvSpPr>
         <p:spPr>
           <a:xfrm>
             <a:off x="838200" y="1232527"/>
@@ -34220,7 +34602,7 @@
         <p:spPr>
           <a:xfrm>
             <a:off x="838200" y="2182505"/>
-            <a:ext cx="10723417" cy="1477328"/>
+            <a:ext cx="10723417" cy="2031325"/>
           </a:xfrm>
           <a:prstGeom prst="rect">
             <a:avLst/>
@@ -34243,11 +34625,11 @@
                   <a:schemeClr val="bg1"/>
                 </a:solidFill>
               </a:rPr>
-              <a:t>Reeds bestaand project; documentatie was aanwezig.</a:t>
-            </a:r>
-          </a:p>
-          <a:p>
-            <a:pPr marL="285750" indent="-285750">
+              <a:t>Reeds bestaand project</a:t>
+            </a:r>
+          </a:p>
+          <a:p>
+            <a:pPr marL="742950" lvl="1" indent="-285750">
               <a:buFont typeface="Arial" panose="020B0604020202020204" pitchFamily="34" charset="0"/>
               <a:buChar char="•"/>
             </a:pPr>
@@ -34257,7 +34639,35 @@
                   <a:schemeClr val="bg1"/>
                 </a:solidFill>
               </a:rPr>
-              <a:t>Kleine oriëntatie vereist; opleiding zelf overlopen.</a:t>
+              <a:t>documentatie was aanwezig.</a:t>
+            </a:r>
+          </a:p>
+          <a:p>
+            <a:pPr marL="285750" indent="-285750">
+              <a:buFont typeface="Arial" panose="020B0604020202020204" pitchFamily="34" charset="0"/>
+              <a:buChar char="•"/>
+            </a:pPr>
+            <a:r>
+              <a:rPr lang="nl-BE" dirty="0">
+                <a:solidFill>
+                  <a:schemeClr val="bg1"/>
+                </a:solidFill>
+              </a:rPr>
+              <a:t>Kleine oriëntatie vereist</a:t>
+            </a:r>
+          </a:p>
+          <a:p>
+            <a:pPr marL="742950" lvl="1" indent="-285750">
+              <a:buFont typeface="Arial" panose="020B0604020202020204" pitchFamily="34" charset="0"/>
+              <a:buChar char="•"/>
+            </a:pPr>
+            <a:r>
+              <a:rPr lang="nl-BE" dirty="0">
+                <a:solidFill>
+                  <a:schemeClr val="bg1"/>
+                </a:solidFill>
+              </a:rPr>
+              <a:t>opleiding zelf overlopen.</a:t>
             </a:r>
           </a:p>
           <a:p>
@@ -34342,7 +34752,7 @@
 </p:sld>
 </file>
 
-<file path=ppt/slides/slide11.xml><?xml version="1.0" encoding="utf-8"?>
+<file path=ppt/slides/slide12.xml><?xml version="1.0" encoding="utf-8"?>
 <p:sld xmlns:a="http://purl.oclc.org/ooxml/drawingml/main" xmlns:r="http://purl.oclc.org/ooxml/officeDocument/relationships" xmlns:p="http://purl.oclc.org/ooxml/presentationml/main">
   <p:cSld>
     <p:spTree>
@@ -34383,7 +34793,7 @@
             <a:fld id="{43981729-7503-47A0-96E9-2C54EA94F56A}" type="slidenum">
               <a:rPr lang="en-US" smtClean="0"/>
               <a:pPr/>
-              <a:t>11</a:t>
+              <a:t>12</a:t>
             </a:fld>
             <a:endParaRPr lang="en-US" dirty="0"/>
           </a:p>
@@ -34540,7 +34950,7 @@
 </p:sld>
 </file>
 
-<file path=ppt/slides/slide12.xml><?xml version="1.0" encoding="utf-8"?>
+<file path=ppt/slides/slide13.xml><?xml version="1.0" encoding="utf-8"?>
 <p:sld xmlns:a="http://purl.oclc.org/ooxml/drawingml/main" xmlns:r="http://purl.oclc.org/ooxml/officeDocument/relationships" xmlns:p="http://purl.oclc.org/ooxml/presentationml/main">
   <p:cSld>
     <p:spTree>
@@ -34581,7 +34991,7 @@
             <a:fld id="{43981729-7503-47A0-96E9-2C54EA94F56A}" type="slidenum">
               <a:rPr lang="en-US" smtClean="0"/>
               <a:pPr/>
-              <a:t>12</a:t>
+              <a:t>13</a:t>
             </a:fld>
             <a:endParaRPr lang="en-US" dirty="0"/>
           </a:p>
@@ -34854,7 +35264,7 @@
 </p:sld>
 </file>
 
-<file path=ppt/slides/slide13.xml><?xml version="1.0" encoding="utf-8"?>
+<file path=ppt/slides/slide14.xml><?xml version="1.0" encoding="utf-8"?>
 <p:sld xmlns:a="http://purl.oclc.org/ooxml/drawingml/main" xmlns:r="http://purl.oclc.org/ooxml/officeDocument/relationships" xmlns:p="http://purl.oclc.org/ooxml/presentationml/main">
   <p:cSld>
     <p:spTree>
@@ -34895,7 +35305,7 @@
             <a:fld id="{43981729-7503-47A0-96E9-2C54EA94F56A}" type="slidenum">
               <a:rPr lang="en-US" smtClean="0"/>
               <a:pPr/>
-              <a:t>13</a:t>
+              <a:t>14</a:t>
             </a:fld>
             <a:endParaRPr lang="en-US" dirty="0"/>
           </a:p>
@@ -34923,10 +35333,9 @@
           <a:lstStyle/>
           <a:p>
             <a:r>
-              <a:rPr lang="nl-BE"/>
-              <a:t>Vragen &amp; opmerkingen</a:t>
-            </a:r>
-            <a:endParaRPr lang="nl-BE" dirty="0"/>
+              <a:rPr lang="nl-BE" dirty="0"/>
+              <a:t>Vragen?</a:t>
+            </a:r>
           </a:p>
         </p:txBody>
       </p:sp>
@@ -35419,7 +35828,7 @@
           <p:nvPr/>
         </p:nvPicPr>
         <p:blipFill>
-          <a:blip r:embed="rId2" cstate="print">
+          <a:blip r:embed="rId3" cstate="print">
             <a:extLst>
               <a:ext uri="{28A0092B-C50C-407E-A947-70E740481C1C}">
                 <a14:useLocalDpi xmlns:a14="http://schemas.microsoft.com/office/drawing/2010/main" val="0"/>
@@ -36337,7 +36746,7 @@
         <p:spPr>
           <a:xfrm>
             <a:off x="838200" y="2204823"/>
-            <a:ext cx="10723417" cy="1200329"/>
+            <a:ext cx="10723417" cy="1477328"/>
           </a:xfrm>
           <a:prstGeom prst="rect">
             <a:avLst/>
@@ -36361,6 +36770,20 @@
                 </a:solidFill>
               </a:rPr>
               <a:t>Week 1-2: </a:t>
+            </a:r>
+          </a:p>
+          <a:p>
+            <a:pPr marL="742950" lvl="1" indent="-285750">
+              <a:buFont typeface="Arial" panose="020B0604020202020204" pitchFamily="34" charset="0"/>
+              <a:buChar char="•"/>
+            </a:pPr>
+            <a:r>
+              <a:rPr lang="nl-BE" dirty="0">
+                <a:solidFill>
+                  <a:schemeClr val="bg1"/>
+                </a:solidFill>
+              </a:rPr>
+              <a:t>Opleiding doorlopen</a:t>
             </a:r>
           </a:p>
           <a:p>
@@ -37160,10 +37583,10 @@
       </p:grpSpPr>
       <p:sp>
         <p:nvSpPr>
-          <p:cNvPr id="2" name="Slide Number Placeholder 1">
-            <a:extLst>
-              <a:ext uri="{FF2B5EF4-FFF2-40B4-BE49-F238E27FC236}">
-                <a16:creationId xmlns:a16="http://schemas.microsoft.com/office/drawing/2014/main" id="{187C4896-8B71-439A-8E21-68C2DD93837F}"/>
+          <p:cNvPr id="3" name="Slide Number Placeholder 2">
+            <a:extLst>
+              <a:ext uri="{FF2B5EF4-FFF2-40B4-BE49-F238E27FC236}">
+                <a16:creationId xmlns:a16="http://schemas.microsoft.com/office/drawing/2014/main" id="{0110B3CA-6D11-48E2-BD8A-904AB47C1EDA}"/>
               </a:ext>
             </a:extLst>
           </p:cNvPr>
@@ -37190,10 +37613,10 @@
       </p:sp>
       <p:sp>
         <p:nvSpPr>
-          <p:cNvPr id="3" name="Title 2">
-            <a:extLst>
-              <a:ext uri="{FF2B5EF4-FFF2-40B4-BE49-F238E27FC236}">
-                <a16:creationId xmlns:a16="http://schemas.microsoft.com/office/drawing/2014/main" id="{94C8C003-9631-4E1F-835E-F7AFDAFFCAFA}"/>
+          <p:cNvPr id="4" name="Title 3">
+            <a:extLst>
+              <a:ext uri="{FF2B5EF4-FFF2-40B4-BE49-F238E27FC236}">
+                <a16:creationId xmlns:a16="http://schemas.microsoft.com/office/drawing/2014/main" id="{69012BB7-8744-4BDF-92C0-CD55EBDDEEFF}"/>
               </a:ext>
             </a:extLst>
           </p:cNvPr>
@@ -37204,14 +37627,19 @@
             <p:ph type="title"/>
           </p:nvPr>
         </p:nvSpPr>
-        <p:spPr/>
+        <p:spPr>
+          <a:xfrm>
+            <a:off x="838200" y="1232527"/>
+            <a:ext cx="10515600" cy="618385"/>
+          </a:xfrm>
+        </p:spPr>
         <p:txBody>
           <a:bodyPr/>
           <a:lstStyle/>
           <a:p>
             <a:r>
-              <a:rPr lang="nl-BE" dirty="0"/>
-              <a:t>Toekomst</a:t>
+              <a:rPr lang="en-GB" dirty="0"/>
+              <a:t>XML</a:t>
             </a:r>
           </a:p>
         </p:txBody>
@@ -37221,7 +37649,7 @@
           <p:cNvPr id="5" name="TextBox 4">
             <a:extLst>
               <a:ext uri="{FF2B5EF4-FFF2-40B4-BE49-F238E27FC236}">
-                <a16:creationId xmlns:a16="http://schemas.microsoft.com/office/drawing/2014/main" id="{8955BC64-19B8-499E-BFE8-D735211368DF}"/>
+                <a16:creationId xmlns:a16="http://schemas.microsoft.com/office/drawing/2014/main" id="{77C8E33E-038A-4DFB-8678-EEB96D6810FC}"/>
               </a:ext>
             </a:extLst>
           </p:cNvPr>
@@ -37231,7 +37659,7 @@
         <p:spPr>
           <a:xfrm>
             <a:off x="838200" y="2182505"/>
-            <a:ext cx="10723417" cy="1477328"/>
+            <a:ext cx="10723417" cy="2585323"/>
           </a:xfrm>
           <a:prstGeom prst="rect">
             <a:avLst/>
@@ -37254,8 +37682,19 @@
                   <a:schemeClr val="bg1"/>
                 </a:solidFill>
               </a:rPr>
-              <a:t>Uitbreiden van de support pagina.</a:t>
-            </a:r>
+              <a:t>Tijd gebrek.</a:t>
+            </a:r>
+          </a:p>
+          <a:p>
+            <a:pPr marL="285750" indent="-285750">
+              <a:buFont typeface="Arial" panose="020B0604020202020204" pitchFamily="34" charset="0"/>
+              <a:buChar char="•"/>
+            </a:pPr>
+            <a:endParaRPr lang="nl-BE" dirty="0">
+              <a:solidFill>
+                <a:schemeClr val="bg1"/>
+              </a:solidFill>
+            </a:endParaRPr>
           </a:p>
           <a:p>
             <a:pPr marL="285750" indent="-285750">
@@ -37268,8 +37707,19 @@
                   <a:schemeClr val="bg1"/>
                 </a:solidFill>
               </a:rPr>
-              <a:t>Efficiëntere manier zoeken om vragen toe te voegen.</a:t>
-            </a:r>
+              <a:t>Reeds aanwezig in het project.</a:t>
+            </a:r>
+          </a:p>
+          <a:p>
+            <a:pPr marL="285750" indent="-285750">
+              <a:buFont typeface="Arial" panose="020B0604020202020204" pitchFamily="34" charset="0"/>
+              <a:buChar char="•"/>
+            </a:pPr>
+            <a:endParaRPr lang="nl-BE" dirty="0">
+              <a:solidFill>
+                <a:schemeClr val="bg1"/>
+              </a:solidFill>
+            </a:endParaRPr>
           </a:p>
           <a:p>
             <a:pPr marL="285750" indent="-285750">
@@ -37282,7 +37732,7 @@
                   <a:schemeClr val="bg1"/>
                 </a:solidFill>
               </a:rPr>
-              <a:t>Alle tekst in XML bestand verwerken. </a:t>
+              <a:t>Handig voor grote teksten.</a:t>
             </a:r>
           </a:p>
           <a:p>
@@ -37290,37 +37740,61 @@
               <a:buFont typeface="Arial" panose="020B0604020202020204" pitchFamily="34" charset="0"/>
               <a:buChar char="•"/>
             </a:pPr>
-            <a:r>
-              <a:rPr lang="nl-BE" dirty="0">
+            <a:endParaRPr lang="nl-BE" dirty="0">
+              <a:solidFill>
+                <a:schemeClr val="bg1"/>
+              </a:solidFill>
+            </a:endParaRPr>
+          </a:p>
+          <a:p>
+            <a:pPr marL="285750" indent="-285750">
+              <a:buFont typeface="Arial" panose="020B0604020202020204" pitchFamily="34" charset="0"/>
+              <a:buChar char="•"/>
+            </a:pPr>
+            <a:r>
+              <a:rPr lang="nl-BE">
                 <a:solidFill>
                   <a:schemeClr val="bg1"/>
                 </a:solidFill>
               </a:rPr>
-              <a:t>Encryptie toevoegen aan confidentiële bestanden.</a:t>
-            </a:r>
+              <a:t>Nieuwe ervaring.</a:t>
+            </a:r>
+            <a:endParaRPr lang="nl-BE" dirty="0">
+              <a:solidFill>
+                <a:schemeClr val="bg1"/>
+              </a:solidFill>
+            </a:endParaRPr>
+          </a:p>
+          <a:p>
+            <a:pPr marL="742950" lvl="1" indent="-285750">
+              <a:buFont typeface="Arial" panose="020B0604020202020204" pitchFamily="34" charset="0"/>
+              <a:buChar char="•"/>
+            </a:pPr>
+            <a:endParaRPr lang="nl-BE" dirty="0">
+              <a:solidFill>
+                <a:schemeClr val="bg1"/>
+              </a:solidFill>
+            </a:endParaRPr>
           </a:p>
           <a:p>
             <a:pPr marL="285750" indent="-285750">
               <a:buFont typeface="Arial" panose="020B0604020202020204" pitchFamily="34" charset="0"/>
               <a:buChar char="•"/>
             </a:pPr>
-            <a:r>
-              <a:rPr lang="nl-BE" dirty="0">
-                <a:solidFill>
-                  <a:schemeClr val="bg1"/>
-                </a:solidFill>
-              </a:rPr>
-              <a:t>Nieuwe levels toevoegen.</a:t>
-            </a:r>
+            <a:endParaRPr lang="nl-BE" dirty="0">
+              <a:solidFill>
+                <a:schemeClr val="bg1"/>
+              </a:solidFill>
+            </a:endParaRPr>
           </a:p>
         </p:txBody>
       </p:sp>
       <p:pic>
         <p:nvPicPr>
-          <p:cNvPr id="8" name="Picture 7">
-            <a:extLst>
-              <a:ext uri="{FF2B5EF4-FFF2-40B4-BE49-F238E27FC236}">
-                <a16:creationId xmlns:a16="http://schemas.microsoft.com/office/drawing/2014/main" id="{5F46B9B9-3E46-414B-BC04-EDE9342D0CF7}"/>
+          <p:cNvPr id="6" name="Picture 5">
+            <a:extLst>
+              <a:ext uri="{FF2B5EF4-FFF2-40B4-BE49-F238E27FC236}">
+                <a16:creationId xmlns:a16="http://schemas.microsoft.com/office/drawing/2014/main" id="{B39DCD5E-515F-44F6-BD1E-4114937119DF}"/>
               </a:ext>
             </a:extLst>
           </p:cNvPr>
@@ -37357,7 +37831,7 @@
     </p:spTree>
     <p:extLst>
       <p:ext uri="{BB962C8B-B14F-4D97-AF65-F5344CB8AC3E}">
-        <p14:creationId xmlns:p14="http://schemas.microsoft.com/office/powerpoint/2010/main" val="2158708448"/>
+        <p14:creationId xmlns:p14="http://schemas.microsoft.com/office/powerpoint/2010/main" val="2240657529"/>
       </p:ext>
     </p:extLst>
   </p:cSld>
@@ -38084,6 +38558,15 @@
 
 <file path=customXml/item1.xml><?xml version="1.0" encoding="utf-8"?>
 <?mso-contentType ?>
+<FormTemplates xmlns="http://schemas.microsoft.com/sharepoint/v3/contenttype/forms">
+  <Display>DocumentLibraryForm</Display>
+  <Edit>DocumentLibraryForm</Edit>
+  <New>DocumentLibraryForm</New>
+</FormTemplates>
+</file>
+
+<file path=customXml/item2.xml><?xml version="1.0" encoding="utf-8"?>
+<?mso-contentType ?>
 <spe:Receivers xmlns:spe="http://schemas.microsoft.com/sharepoint/events">
   <Receiver>
     <Name>Document ID Generator</Name>
@@ -38128,31 +38611,7 @@
 </spe:Receivers>
 </file>
 
-<file path=customXml/item2.xml><?xml version="1.0" encoding="utf-8"?>
-<?mso-contentType ?>
-<FormTemplates xmlns="http://schemas.microsoft.com/sharepoint/v3/contenttype/forms">
-  <Display>DocumentLibraryForm</Display>
-  <Edit>DocumentLibraryForm</Edit>
-  <New>DocumentLibraryForm</New>
-</FormTemplates>
-</file>
-
 <file path=customXml/item3.xml><?xml version="1.0" encoding="utf-8"?>
-<p:properties xmlns:p="http://schemas.microsoft.com/office/2006/metadata/properties" xmlns:xsi="http://www.w3.org/2001/XMLSchema-instance" xmlns:pc="http://schemas.microsoft.com/office/infopath/2007/PartnerControls">
-  <documentManagement>
-    <Comments xmlns="c09bee97-6e5f-4578-b7c8-2a18999b593e" xsi:nil="true"/>
-    <Division xmlns="c09bee97-6e5f-4578-b7c8-2a18999b593e">MECOMS</Division>
-    <Document_x0020_Type xmlns="c09bee97-6e5f-4578-b7c8-2a18999b593e">Template</Document_x0020_Type>
-    <_dlc_DocId xmlns="754836dd-ffd5-4ead-8c2e-b7c9b87af8e2">FERRANTI-97714427-51</_dlc_DocId>
-    <_dlc_DocIdUrl xmlns="754836dd-ffd5-4ead-8c2e-b7c9b87af8e2">
-      <Url>https://spark.ferranti.be/Sales/Marketing/_layouts/15/DocIdRedir.aspx?ID=FERRANTI-97714427-51</Url>
-      <Description>FERRANTI-97714427-51</Description>
-    </_dlc_DocIdUrl>
-  </documentManagement>
-</p:properties>
-</file>
-
-<file path=customXml/item4.xml><?xml version="1.0" encoding="utf-8"?>
 <ct:contentTypeSchema xmlns:ct="http://schemas.microsoft.com/office/2006/metadata/contentType" xmlns:ma="http://schemas.microsoft.com/office/2006/metadata/properties/metaAttributes" ct:_="" ma:_="" ma:contentTypeName="Document" ma:contentTypeID="0x010100C1B16EDED65F9B46B12364C96CA90EC5" ma:contentTypeVersion="4" ma:contentTypeDescription="Create a new document." ma:contentTypeScope="" ma:versionID="a0d91d84e6afa2f15413082e631f1e7a">
   <xsd:schema xmlns:xsd="http://www.w3.org/2001/XMLSchema" xmlns:xs="http://www.w3.org/2001/XMLSchema" xmlns:p="http://schemas.microsoft.com/office/2006/metadata/properties" xmlns:ns2="c09bee97-6e5f-4578-b7c8-2a18999b593e" xmlns:ns3="754836dd-ffd5-4ead-8c2e-b7c9b87af8e2" targetNamespace="http://schemas.microsoft.com/office/2006/metadata/properties" ma:root="true" ma:fieldsID="ccd91cf380270944d7fcaa8194abea2c" ns2:_="" ns3:_="">
     <xsd:import namespace="c09bee97-6e5f-4578-b7c8-2a18999b593e"/>
@@ -38353,7 +38812,30 @@
 </ct:contentTypeSchema>
 </file>
 
+<file path=customXml/item4.xml><?xml version="1.0" encoding="utf-8"?>
+<p:properties xmlns:p="http://schemas.microsoft.com/office/2006/metadata/properties" xmlns:xsi="http://www.w3.org/2001/XMLSchema-instance" xmlns:pc="http://schemas.microsoft.com/office/infopath/2007/PartnerControls">
+  <documentManagement>
+    <Comments xmlns="c09bee97-6e5f-4578-b7c8-2a18999b593e" xsi:nil="true"/>
+    <Division xmlns="c09bee97-6e5f-4578-b7c8-2a18999b593e">MECOMS</Division>
+    <Document_x0020_Type xmlns="c09bee97-6e5f-4578-b7c8-2a18999b593e">Template</Document_x0020_Type>
+    <_dlc_DocId xmlns="754836dd-ffd5-4ead-8c2e-b7c9b87af8e2">FERRANTI-97714427-51</_dlc_DocId>
+    <_dlc_DocIdUrl xmlns="754836dd-ffd5-4ead-8c2e-b7c9b87af8e2">
+      <Url>https://spark.ferranti.be/Sales/Marketing/_layouts/15/DocIdRedir.aspx?ID=FERRANTI-97714427-51</Url>
+      <Description>FERRANTI-97714427-51</Description>
+    </_dlc_DocIdUrl>
+  </documentManagement>
+</p:properties>
+</file>
+
 <file path=customXml/itemProps1.xml><?xml version="1.0" encoding="utf-8"?>
+<ds:datastoreItem xmlns:ds="http://purl.oclc.org/ooxml/officeDocument/customXml" ds:itemID="{59BFBFAE-9AE9-4234-AF91-53F15CC99364}">
+  <ds:schemaRefs>
+    <ds:schemaRef ds:uri="http://schemas.microsoft.com/sharepoint/v3/contenttype/forms"/>
+  </ds:schemaRefs>
+</ds:datastoreItem>
+</file>
+
+<file path=customXml/itemProps2.xml><?xml version="1.0" encoding="utf-8"?>
 <ds:datastoreItem xmlns:ds="http://purl.oclc.org/ooxml/officeDocument/customXml" ds:itemID="{2FD29744-43A1-44E3-808C-19A6C7E5A223}">
   <ds:schemaRefs>
     <ds:schemaRef ds:uri="http://schemas.microsoft.com/sharepoint/events"/>
@@ -38361,32 +38843,7 @@
 </ds:datastoreItem>
 </file>
 
-<file path=customXml/itemProps2.xml><?xml version="1.0" encoding="utf-8"?>
-<ds:datastoreItem xmlns:ds="http://purl.oclc.org/ooxml/officeDocument/customXml" ds:itemID="{59BFBFAE-9AE9-4234-AF91-53F15CC99364}">
-  <ds:schemaRefs>
-    <ds:schemaRef ds:uri="http://schemas.microsoft.com/sharepoint/v3/contenttype/forms"/>
-  </ds:schemaRefs>
-</ds:datastoreItem>
-</file>
-
 <file path=customXml/itemProps3.xml><?xml version="1.0" encoding="utf-8"?>
-<ds:datastoreItem xmlns:ds="http://purl.oclc.org/ooxml/officeDocument/customXml" ds:itemID="{EFC39BB9-3C31-4E96-B5A2-8D9C6E90CF68}">
-  <ds:schemaRefs>
-    <ds:schemaRef ds:uri="c09bee97-6e5f-4578-b7c8-2a18999b593e"/>
-    <ds:schemaRef ds:uri="http://schemas.microsoft.com/office/2006/documentManagement/types"/>
-    <ds:schemaRef ds:uri="754836dd-ffd5-4ead-8c2e-b7c9b87af8e2"/>
-    <ds:schemaRef ds:uri="http://schemas.microsoft.com/office/infopath/2007/PartnerControls"/>
-    <ds:schemaRef ds:uri="http://purl.org/dc/elements/1.1/"/>
-    <ds:schemaRef ds:uri="http://schemas.microsoft.com/office/2006/metadata/properties"/>
-    <ds:schemaRef ds:uri="http://purl.org/dc/terms/"/>
-    <ds:schemaRef ds:uri="http://schemas.openxmlformats.org/package/2006/metadata/core-properties"/>
-    <ds:schemaRef ds:uri="http://www.w3.org/XML/1998/namespace"/>
-    <ds:schemaRef ds:uri="http://purl.org/dc/dcmitype/"/>
-  </ds:schemaRefs>
-</ds:datastoreItem>
-</file>
-
-<file path=customXml/itemProps4.xml><?xml version="1.0" encoding="utf-8"?>
 <ds:datastoreItem xmlns:ds="http://purl.oclc.org/ooxml/officeDocument/customXml" ds:itemID="{1C172753-555D-4726-BEB8-6595C97D3D4C}">
   <ds:schemaRefs>
     <ds:schemaRef ds:uri="http://schemas.microsoft.com/office/2006/metadata/contentType"/>
@@ -38403,4 +38860,21 @@
     <ds:schemaRef ds:uri="http://schemas.microsoft.com/internal/obd"/>
   </ds:schemaRefs>
 </ds:datastoreItem>
+</file>
+
+<file path=customXml/itemProps4.xml><?xml version="1.0" encoding="utf-8"?>
+<ds:datastoreItem xmlns:ds="http://purl.oclc.org/ooxml/officeDocument/customXml" ds:itemID="{EFC39BB9-3C31-4E96-B5A2-8D9C6E90CF68}">
+  <ds:schemaRefs>
+    <ds:schemaRef ds:uri="c09bee97-6e5f-4578-b7c8-2a18999b593e"/>
+    <ds:schemaRef ds:uri="http://schemas.microsoft.com/office/2006/documentManagement/types"/>
+    <ds:schemaRef ds:uri="754836dd-ffd5-4ead-8c2e-b7c9b87af8e2"/>
+    <ds:schemaRef ds:uri="http://schemas.microsoft.com/office/infopath/2007/PartnerControls"/>
+    <ds:schemaRef ds:uri="http://purl.org/dc/elements/1.1/"/>
+    <ds:schemaRef ds:uri="http://schemas.microsoft.com/office/2006/metadata/properties"/>
+    <ds:schemaRef ds:uri="http://purl.org/dc/terms/"/>
+    <ds:schemaRef ds:uri="http://schemas.openxmlformats.org/package/2006/metadata/core-properties"/>
+    <ds:schemaRef ds:uri="http://www.w3.org/XML/1998/namespace"/>
+    <ds:schemaRef ds:uri="http://purl.org/dc/dcmitype/"/>
+  </ds:schemaRefs>
+</ds:datastoreItem>
 </file>